--- a/第8组答辩2.pptx
+++ b/第8组答辩2.pptx
@@ -12491,7 +12491,7 @@
     <a:masterClrMapping/>
   </p:clrMapOvr>
   <p:transition spd="slow">
-    <p:fade/>
+    <p:dissolve/>
   </p:transition>
 </p:sld>
 </file>
@@ -13336,6 +13336,203 @@
   <p:clrMapOvr>
     <a:masterClrMapping/>
   </p:clrMapOvr>
+  <p:timing>
+    <p:tnLst>
+      <p:par>
+        <p:cTn id="1" dur="indefinite" restart="never" nodeType="tmRoot">
+          <p:childTnLst>
+            <p:seq concurrent="1" nextAc="seek">
+              <p:cTn id="2" dur="indefinite" nodeType="mainSeq">
+                <p:childTnLst>
+                  <p:par>
+                    <p:cTn id="3" fill="hold">
+                      <p:stCondLst>
+                        <p:cond delay="indefinite"/>
+                      </p:stCondLst>
+                      <p:childTnLst>
+                        <p:par>
+                          <p:cTn id="4" fill="hold">
+                            <p:stCondLst>
+                              <p:cond delay="0"/>
+                            </p:stCondLst>
+                            <p:childTnLst>
+                              <p:par>
+                                <p:cTn id="5" presetID="51" presetClass="entr" presetSubtype="0" fill="hold" nodeType="clickEffect">
+                                  <p:stCondLst>
+                                    <p:cond delay="0"/>
+                                  </p:stCondLst>
+                                  <p:childTnLst>
+                                    <p:set>
+                                      <p:cBhvr>
+                                        <p:cTn id="6" dur="1" fill="hold">
+                                          <p:stCondLst>
+                                            <p:cond delay="0"/>
+                                          </p:stCondLst>
+                                        </p:cTn>
+                                        <p:tgtEl>
+                                          <p:spTgt spid="2">
+                                            <p:txEl>
+                                              <p:pRg st="0" end="0"/>
+                                            </p:txEl>
+                                          </p:spTgt>
+                                        </p:tgtEl>
+                                        <p:attrNameLst>
+                                          <p:attrName>style.visibility</p:attrName>
+                                        </p:attrNameLst>
+                                      </p:cBhvr>
+                                      <p:to>
+                                        <p:strVal val="visible"/>
+                                      </p:to>
+                                    </p:set>
+                                    <p:animEffect transition="in" filter="fade">
+                                      <p:cBhvr>
+                                        <p:cTn id="7" dur="770" decel="100000"/>
+                                        <p:tgtEl>
+                                          <p:spTgt spid="2">
+                                            <p:txEl>
+                                              <p:pRg st="0" end="0"/>
+                                            </p:txEl>
+                                          </p:spTgt>
+                                        </p:tgtEl>
+                                      </p:cBhvr>
+                                    </p:animEffect>
+                                    <p:animScale>
+                                      <p:cBhvr>
+                                        <p:cTn id="8" dur="770" decel="100000"/>
+                                        <p:tgtEl>
+                                          <p:spTgt spid="2">
+                                            <p:txEl>
+                                              <p:pRg st="0" end="0"/>
+                                            </p:txEl>
+                                          </p:spTgt>
+                                        </p:tgtEl>
+                                      </p:cBhvr>
+                                      <p:from x="10000" y="10000"/>
+                                      <p:to x="200000" y="450000"/>
+                                    </p:animScale>
+                                    <p:animScale>
+                                      <p:cBhvr>
+                                        <p:cTn id="9" dur="1230" accel="100000" fill="hold">
+                                          <p:stCondLst>
+                                            <p:cond delay="770"/>
+                                          </p:stCondLst>
+                                        </p:cTn>
+                                        <p:tgtEl>
+                                          <p:spTgt spid="2">
+                                            <p:txEl>
+                                              <p:pRg st="0" end="0"/>
+                                            </p:txEl>
+                                          </p:spTgt>
+                                        </p:tgtEl>
+                                      </p:cBhvr>
+                                      <p:from x="200000" y="450000"/>
+                                      <p:to x="100000" y="100000"/>
+                                    </p:animScale>
+                                    <p:set>
+                                      <p:cBhvr>
+                                        <p:cTn id="10" dur="770" fill="hold"/>
+                                        <p:tgtEl>
+                                          <p:spTgt spid="2">
+                                            <p:txEl>
+                                              <p:pRg st="0" end="0"/>
+                                            </p:txEl>
+                                          </p:spTgt>
+                                        </p:tgtEl>
+                                        <p:attrNameLst>
+                                          <p:attrName>ppt_x</p:attrName>
+                                        </p:attrNameLst>
+                                      </p:cBhvr>
+                                      <p:to>
+                                        <p:strVal val="(0.5)"/>
+                                      </p:to>
+                                    </p:set>
+                                    <p:anim from="(0.5)" to="(#ppt_x)" calcmode="lin" valueType="num">
+                                      <p:cBhvr>
+                                        <p:cTn id="11" dur="1230" accel="100000" fill="hold">
+                                          <p:stCondLst>
+                                            <p:cond delay="770"/>
+                                          </p:stCondLst>
+                                        </p:cTn>
+                                        <p:tgtEl>
+                                          <p:spTgt spid="2">
+                                            <p:txEl>
+                                              <p:pRg st="0" end="0"/>
+                                            </p:txEl>
+                                          </p:spTgt>
+                                        </p:tgtEl>
+                                        <p:attrNameLst>
+                                          <p:attrName>ppt_x</p:attrName>
+                                        </p:attrNameLst>
+                                      </p:cBhvr>
+                                    </p:anim>
+                                    <p:set>
+                                      <p:cBhvr>
+                                        <p:cTn id="12" dur="770" fill="hold"/>
+                                        <p:tgtEl>
+                                          <p:spTgt spid="2">
+                                            <p:txEl>
+                                              <p:pRg st="0" end="0"/>
+                                            </p:txEl>
+                                          </p:spTgt>
+                                        </p:tgtEl>
+                                        <p:attrNameLst>
+                                          <p:attrName>ppt_y</p:attrName>
+                                        </p:attrNameLst>
+                                      </p:cBhvr>
+                                      <p:to>
+                                        <p:strVal val="(#ppt_y+0.4)"/>
+                                      </p:to>
+                                    </p:set>
+                                    <p:anim from="(#ppt_y+0.4)" to="(#ppt_y)" calcmode="lin" valueType="num">
+                                      <p:cBhvr>
+                                        <p:cTn id="13" dur="1230" accel="100000" fill="hold">
+                                          <p:stCondLst>
+                                            <p:cond delay="770"/>
+                                          </p:stCondLst>
+                                        </p:cTn>
+                                        <p:tgtEl>
+                                          <p:spTgt spid="2">
+                                            <p:txEl>
+                                              <p:pRg st="0" end="0"/>
+                                            </p:txEl>
+                                          </p:spTgt>
+                                        </p:tgtEl>
+                                        <p:attrNameLst>
+                                          <p:attrName>ppt_y</p:attrName>
+                                        </p:attrNameLst>
+                                      </p:cBhvr>
+                                    </p:anim>
+                                  </p:childTnLst>
+                                </p:cTn>
+                              </p:par>
+                            </p:childTnLst>
+                          </p:cTn>
+                        </p:par>
+                      </p:childTnLst>
+                    </p:cTn>
+                  </p:par>
+                </p:childTnLst>
+              </p:cTn>
+              <p:prevCondLst>
+                <p:cond evt="onPrev" delay="0">
+                  <p:tgtEl>
+                    <p:sldTgt/>
+                  </p:tgtEl>
+                </p:cond>
+              </p:prevCondLst>
+              <p:nextCondLst>
+                <p:cond evt="onNext" delay="0">
+                  <p:tgtEl>
+                    <p:sldTgt/>
+                  </p:tgtEl>
+                </p:cond>
+              </p:nextCondLst>
+            </p:seq>
+          </p:childTnLst>
+        </p:cTn>
+      </p:par>
+    </p:tnLst>
+  </p:timing>
 </p:sld>
 </file>
 
@@ -14812,7 +15009,7 @@
         </p:nvSpPr>
         <p:spPr>
           <a:xfrm>
-            <a:off x="8544560" y="1844675"/>
+            <a:off x="8543925" y="1833880"/>
             <a:ext cx="2089150" cy="460375"/>
           </a:xfrm>
           <a:prstGeom prst="rect">
@@ -17350,6 +17547,16 @@
   <p:clrMapOvr>
     <a:masterClrMapping/>
   </p:clrMapOvr>
+  <p:transition>
+    <p:fade/>
+  </p:transition>
+  <p:timing>
+    <p:tnLst>
+      <p:par>
+        <p:cTn id="1" dur="indefinite" restart="never" nodeType="tmRoot"/>
+      </p:par>
+    </p:tnLst>
+  </p:timing>
 </p:sld>
 </file>
 
@@ -18249,7 +18456,7 @@
         </p:nvSpPr>
         <p:spPr>
           <a:xfrm>
-            <a:off x="5127625" y="1163638"/>
+            <a:off x="5231765" y="1190943"/>
             <a:ext cx="2265363" cy="275590"/>
           </a:xfrm>
           <a:prstGeom prst="rect">
@@ -18345,7 +18552,7 @@
         </p:nvSpPr>
         <p:spPr>
           <a:xfrm>
-            <a:off x="6677025" y="2840038"/>
+            <a:off x="6671945" y="2840038"/>
             <a:ext cx="2265363" cy="275590"/>
           </a:xfrm>
           <a:prstGeom prst="rect">
@@ -18386,7 +18593,7 @@
         </p:nvSpPr>
         <p:spPr>
           <a:xfrm>
-            <a:off x="8451850" y="4784725"/>
+            <a:off x="8544560" y="4803775"/>
             <a:ext cx="2266950" cy="275590"/>
           </a:xfrm>
           <a:prstGeom prst="rect">
@@ -18765,7 +18972,16 @@
                 </a:solidFill>
                 <a:latin typeface="微软雅黑" panose="020B0503020204020204" pitchFamily="34" charset="-122"/>
               </a:rPr>
-              <a:t>通过讨论的出项目的最终实现目标、用户需求、功能需求，对小组成员需要进行的工作仍无进行分配，通过边学边做的方式进行项目的开发，完成开发后进行模块的评估以及下一轮的</a:t>
+              <a:t>通过讨论的出项目的最终实现目标、用户需求、功能需求，对小组成员需要进行的工作</a:t>
+            </a:r>
+            <a:r>
+              <a:rPr lang="zh-CN" altLang="en-US" sz="1800" dirty="0">
+                <a:solidFill>
+                  <a:schemeClr val="bg1"/>
+                </a:solidFill>
+                <a:latin typeface="微软雅黑" panose="020B0503020204020204" pitchFamily="34" charset="-122"/>
+              </a:rPr>
+              <a:t>任务进行分配，通过边学边做的方式进行项目的开发，完成开发后进行模块的评估以及下一轮的</a:t>
             </a:r>
             <a:r>
               <a:rPr lang="zh-CN" altLang="en-US" sz="1800" dirty="0">
@@ -18790,6 +19006,1194 @@
   <p:clrMapOvr>
     <a:masterClrMapping/>
   </p:clrMapOvr>
+  <mc:AlternateContent xmlns:mc="http://schemas.openxmlformats.org/markup-compatibility/2006">
+    <mc:Choice xmlns:p14="http://schemas.microsoft.com/office/powerpoint/2010/main" Requires="p14">
+      <p:transition p14:dur="2000">
+        <p:fade/>
+      </p:transition>
+    </mc:Choice>
+    <mc:Fallback>
+      <p:transition>
+        <p:fade/>
+      </p:transition>
+    </mc:Fallback>
+  </mc:AlternateContent>
+  <p:timing>
+    <p:tnLst>
+      <p:par>
+        <p:cTn id="1" dur="indefinite" restart="never" nodeType="tmRoot">
+          <p:childTnLst>
+            <p:seq concurrent="1" nextAc="seek">
+              <p:cTn id="2" dur="indefinite" nodeType="mainSeq">
+                <p:childTnLst>
+                  <p:par>
+                    <p:cTn id="3" fill="hold">
+                      <p:stCondLst>
+                        <p:cond delay="indefinite"/>
+                      </p:stCondLst>
+                      <p:childTnLst>
+                        <p:par>
+                          <p:cTn id="4" fill="hold">
+                            <p:stCondLst>
+                              <p:cond delay="0"/>
+                            </p:stCondLst>
+                            <p:childTnLst>
+                              <p:par>
+                                <p:cTn id="5" presetID="58" presetClass="entr" presetSubtype="0" accel="100000" fill="hold" nodeType="clickEffect">
+                                  <p:stCondLst>
+                                    <p:cond delay="0"/>
+                                  </p:stCondLst>
+                                  <p:childTnLst>
+                                    <p:set>
+                                      <p:cBhvr>
+                                        <p:cTn id="6" dur="1" fill="hold">
+                                          <p:stCondLst>
+                                            <p:cond delay="0"/>
+                                          </p:stCondLst>
+                                        </p:cTn>
+                                        <p:tgtEl>
+                                          <p:spTgt spid="8208">
+                                            <p:txEl>
+                                              <p:pRg st="0" end="0"/>
+                                            </p:txEl>
+                                          </p:spTgt>
+                                        </p:tgtEl>
+                                        <p:attrNameLst>
+                                          <p:attrName>style.visibility</p:attrName>
+                                        </p:attrNameLst>
+                                      </p:cBhvr>
+                                      <p:to>
+                                        <p:strVal val="visible"/>
+                                      </p:to>
+                                    </p:set>
+                                    <p:anim calcmode="lin" valueType="num">
+                                      <p:cBhvr>
+                                        <p:cTn id="7" dur="500" fill="hold"/>
+                                        <p:tgtEl>
+                                          <p:spTgt spid="8208">
+                                            <p:txEl>
+                                              <p:pRg st="0" end="0"/>
+                                            </p:txEl>
+                                          </p:spTgt>
+                                        </p:tgtEl>
+                                        <p:attrNameLst>
+                                          <p:attrName>ppt_w</p:attrName>
+                                        </p:attrNameLst>
+                                      </p:cBhvr>
+                                      <p:tavLst>
+                                        <p:tav tm="0">
+                                          <p:val>
+                                            <p:strVal val="#ppt_w*2.5"/>
+                                          </p:val>
+                                        </p:tav>
+                                        <p:tav tm="100000">
+                                          <p:val>
+                                            <p:strVal val="#ppt_w"/>
+                                          </p:val>
+                                        </p:tav>
+                                      </p:tavLst>
+                                    </p:anim>
+                                    <p:anim calcmode="lin" valueType="num">
+                                      <p:cBhvr>
+                                        <p:cTn id="8" dur="500" fill="hold"/>
+                                        <p:tgtEl>
+                                          <p:spTgt spid="8208">
+                                            <p:txEl>
+                                              <p:pRg st="0" end="0"/>
+                                            </p:txEl>
+                                          </p:spTgt>
+                                        </p:tgtEl>
+                                        <p:attrNameLst>
+                                          <p:attrName>ppt_h</p:attrName>
+                                        </p:attrNameLst>
+                                      </p:cBhvr>
+                                      <p:tavLst>
+                                        <p:tav tm="0">
+                                          <p:val>
+                                            <p:strVal val="#ppt_h*0.01"/>
+                                          </p:val>
+                                        </p:tav>
+                                        <p:tav tm="100000">
+                                          <p:val>
+                                            <p:strVal val="#ppt_h"/>
+                                          </p:val>
+                                        </p:tav>
+                                      </p:tavLst>
+                                    </p:anim>
+                                    <p:anim calcmode="lin" valueType="num">
+                                      <p:cBhvr>
+                                        <p:cTn id="9" dur="500" fill="hold"/>
+                                        <p:tgtEl>
+                                          <p:spTgt spid="8208">
+                                            <p:txEl>
+                                              <p:pRg st="0" end="0"/>
+                                            </p:txEl>
+                                          </p:spTgt>
+                                        </p:tgtEl>
+                                        <p:attrNameLst>
+                                          <p:attrName>ppt_x</p:attrName>
+                                        </p:attrNameLst>
+                                      </p:cBhvr>
+                                      <p:tavLst>
+                                        <p:tav tm="0">
+                                          <p:val>
+                                            <p:strVal val="#ppt_x"/>
+                                          </p:val>
+                                        </p:tav>
+                                        <p:tav tm="100000">
+                                          <p:val>
+                                            <p:strVal val="#ppt_x"/>
+                                          </p:val>
+                                        </p:tav>
+                                      </p:tavLst>
+                                    </p:anim>
+                                    <p:anim calcmode="lin" valueType="num">
+                                      <p:cBhvr>
+                                        <p:cTn id="10" dur="500" fill="hold"/>
+                                        <p:tgtEl>
+                                          <p:spTgt spid="8208">
+                                            <p:txEl>
+                                              <p:pRg st="0" end="0"/>
+                                            </p:txEl>
+                                          </p:spTgt>
+                                        </p:tgtEl>
+                                        <p:attrNameLst>
+                                          <p:attrName>ppt_y</p:attrName>
+                                        </p:attrNameLst>
+                                      </p:cBhvr>
+                                      <p:tavLst>
+                                        <p:tav tm="0">
+                                          <p:val>
+                                            <p:strVal val="#ppt_h+1"/>
+                                          </p:val>
+                                        </p:tav>
+                                        <p:tav tm="100000">
+                                          <p:val>
+                                            <p:strVal val="#ppt_y"/>
+                                          </p:val>
+                                        </p:tav>
+                                      </p:tavLst>
+                                    </p:anim>
+                                    <p:animEffect transition="in" filter="fade">
+                                      <p:cBhvr>
+                                        <p:cTn id="11" dur="500"/>
+                                        <p:tgtEl>
+                                          <p:spTgt spid="8208">
+                                            <p:txEl>
+                                              <p:pRg st="0" end="0"/>
+                                            </p:txEl>
+                                          </p:spTgt>
+                                        </p:tgtEl>
+                                      </p:cBhvr>
+                                    </p:animEffect>
+                                  </p:childTnLst>
+                                </p:cTn>
+                              </p:par>
+                            </p:childTnLst>
+                          </p:cTn>
+                        </p:par>
+                      </p:childTnLst>
+                    </p:cTn>
+                  </p:par>
+                  <p:par>
+                    <p:cTn id="12" fill="hold">
+                      <p:stCondLst>
+                        <p:cond delay="indefinite"/>
+                      </p:stCondLst>
+                      <p:childTnLst>
+                        <p:par>
+                          <p:cTn id="13" fill="hold">
+                            <p:stCondLst>
+                              <p:cond delay="0"/>
+                            </p:stCondLst>
+                            <p:childTnLst>
+                              <p:par>
+                                <p:cTn id="14" presetID="58" presetClass="entr" presetSubtype="0" accel="100000" fill="hold" nodeType="clickEffect">
+                                  <p:stCondLst>
+                                    <p:cond delay="0"/>
+                                  </p:stCondLst>
+                                  <p:childTnLst>
+                                    <p:set>
+                                      <p:cBhvr>
+                                        <p:cTn id="15" dur="1" fill="hold">
+                                          <p:stCondLst>
+                                            <p:cond delay="0"/>
+                                          </p:stCondLst>
+                                        </p:cTn>
+                                        <p:tgtEl>
+                                          <p:spTgt spid="8209">
+                                            <p:txEl>
+                                              <p:pRg st="0" end="0"/>
+                                            </p:txEl>
+                                          </p:spTgt>
+                                        </p:tgtEl>
+                                        <p:attrNameLst>
+                                          <p:attrName>style.visibility</p:attrName>
+                                        </p:attrNameLst>
+                                      </p:cBhvr>
+                                      <p:to>
+                                        <p:strVal val="visible"/>
+                                      </p:to>
+                                    </p:set>
+                                    <p:anim calcmode="lin" valueType="num">
+                                      <p:cBhvr>
+                                        <p:cTn id="16" dur="500" fill="hold"/>
+                                        <p:tgtEl>
+                                          <p:spTgt spid="8209">
+                                            <p:txEl>
+                                              <p:pRg st="0" end="0"/>
+                                            </p:txEl>
+                                          </p:spTgt>
+                                        </p:tgtEl>
+                                        <p:attrNameLst>
+                                          <p:attrName>ppt_w</p:attrName>
+                                        </p:attrNameLst>
+                                      </p:cBhvr>
+                                      <p:tavLst>
+                                        <p:tav tm="0">
+                                          <p:val>
+                                            <p:strVal val="#ppt_w*2.5"/>
+                                          </p:val>
+                                        </p:tav>
+                                        <p:tav tm="100000">
+                                          <p:val>
+                                            <p:strVal val="#ppt_w"/>
+                                          </p:val>
+                                        </p:tav>
+                                      </p:tavLst>
+                                    </p:anim>
+                                    <p:anim calcmode="lin" valueType="num">
+                                      <p:cBhvr>
+                                        <p:cTn id="17" dur="500" fill="hold"/>
+                                        <p:tgtEl>
+                                          <p:spTgt spid="8209">
+                                            <p:txEl>
+                                              <p:pRg st="0" end="0"/>
+                                            </p:txEl>
+                                          </p:spTgt>
+                                        </p:tgtEl>
+                                        <p:attrNameLst>
+                                          <p:attrName>ppt_h</p:attrName>
+                                        </p:attrNameLst>
+                                      </p:cBhvr>
+                                      <p:tavLst>
+                                        <p:tav tm="0">
+                                          <p:val>
+                                            <p:strVal val="#ppt_h*0.01"/>
+                                          </p:val>
+                                        </p:tav>
+                                        <p:tav tm="100000">
+                                          <p:val>
+                                            <p:strVal val="#ppt_h"/>
+                                          </p:val>
+                                        </p:tav>
+                                      </p:tavLst>
+                                    </p:anim>
+                                    <p:anim calcmode="lin" valueType="num">
+                                      <p:cBhvr>
+                                        <p:cTn id="18" dur="500" fill="hold"/>
+                                        <p:tgtEl>
+                                          <p:spTgt spid="8209">
+                                            <p:txEl>
+                                              <p:pRg st="0" end="0"/>
+                                            </p:txEl>
+                                          </p:spTgt>
+                                        </p:tgtEl>
+                                        <p:attrNameLst>
+                                          <p:attrName>ppt_x</p:attrName>
+                                        </p:attrNameLst>
+                                      </p:cBhvr>
+                                      <p:tavLst>
+                                        <p:tav tm="0">
+                                          <p:val>
+                                            <p:strVal val="#ppt_x"/>
+                                          </p:val>
+                                        </p:tav>
+                                        <p:tav tm="100000">
+                                          <p:val>
+                                            <p:strVal val="#ppt_x"/>
+                                          </p:val>
+                                        </p:tav>
+                                      </p:tavLst>
+                                    </p:anim>
+                                    <p:anim calcmode="lin" valueType="num">
+                                      <p:cBhvr>
+                                        <p:cTn id="19" dur="500" fill="hold"/>
+                                        <p:tgtEl>
+                                          <p:spTgt spid="8209">
+                                            <p:txEl>
+                                              <p:pRg st="0" end="0"/>
+                                            </p:txEl>
+                                          </p:spTgt>
+                                        </p:tgtEl>
+                                        <p:attrNameLst>
+                                          <p:attrName>ppt_y</p:attrName>
+                                        </p:attrNameLst>
+                                      </p:cBhvr>
+                                      <p:tavLst>
+                                        <p:tav tm="0">
+                                          <p:val>
+                                            <p:strVal val="#ppt_h+1"/>
+                                          </p:val>
+                                        </p:tav>
+                                        <p:tav tm="100000">
+                                          <p:val>
+                                            <p:strVal val="#ppt_y"/>
+                                          </p:val>
+                                        </p:tav>
+                                      </p:tavLst>
+                                    </p:anim>
+                                    <p:animEffect transition="in" filter="fade">
+                                      <p:cBhvr>
+                                        <p:cTn id="20" dur="500"/>
+                                        <p:tgtEl>
+                                          <p:spTgt spid="8209">
+                                            <p:txEl>
+                                              <p:pRg st="0" end="0"/>
+                                            </p:txEl>
+                                          </p:spTgt>
+                                        </p:tgtEl>
+                                      </p:cBhvr>
+                                    </p:animEffect>
+                                  </p:childTnLst>
+                                </p:cTn>
+                              </p:par>
+                            </p:childTnLst>
+                          </p:cTn>
+                        </p:par>
+                      </p:childTnLst>
+                    </p:cTn>
+                  </p:par>
+                  <p:par>
+                    <p:cTn id="21" fill="hold">
+                      <p:stCondLst>
+                        <p:cond delay="indefinite"/>
+                      </p:stCondLst>
+                      <p:childTnLst>
+                        <p:par>
+                          <p:cTn id="22" fill="hold">
+                            <p:stCondLst>
+                              <p:cond delay="0"/>
+                            </p:stCondLst>
+                            <p:childTnLst>
+                              <p:par>
+                                <p:cTn id="23" presetID="58" presetClass="entr" presetSubtype="0" accel="100000" fill="hold" nodeType="clickEffect">
+                                  <p:stCondLst>
+                                    <p:cond delay="0"/>
+                                  </p:stCondLst>
+                                  <p:childTnLst>
+                                    <p:set>
+                                      <p:cBhvr>
+                                        <p:cTn id="24" dur="1" fill="hold">
+                                          <p:stCondLst>
+                                            <p:cond delay="0"/>
+                                          </p:stCondLst>
+                                        </p:cTn>
+                                        <p:tgtEl>
+                                          <p:spTgt spid="8210">
+                                            <p:txEl>
+                                              <p:pRg st="0" end="0"/>
+                                            </p:txEl>
+                                          </p:spTgt>
+                                        </p:tgtEl>
+                                        <p:attrNameLst>
+                                          <p:attrName>style.visibility</p:attrName>
+                                        </p:attrNameLst>
+                                      </p:cBhvr>
+                                      <p:to>
+                                        <p:strVal val="visible"/>
+                                      </p:to>
+                                    </p:set>
+                                    <p:anim calcmode="lin" valueType="num">
+                                      <p:cBhvr>
+                                        <p:cTn id="25" dur="500" fill="hold"/>
+                                        <p:tgtEl>
+                                          <p:spTgt spid="8210">
+                                            <p:txEl>
+                                              <p:pRg st="0" end="0"/>
+                                            </p:txEl>
+                                          </p:spTgt>
+                                        </p:tgtEl>
+                                        <p:attrNameLst>
+                                          <p:attrName>ppt_w</p:attrName>
+                                        </p:attrNameLst>
+                                      </p:cBhvr>
+                                      <p:tavLst>
+                                        <p:tav tm="0">
+                                          <p:val>
+                                            <p:strVal val="#ppt_w*2.5"/>
+                                          </p:val>
+                                        </p:tav>
+                                        <p:tav tm="100000">
+                                          <p:val>
+                                            <p:strVal val="#ppt_w"/>
+                                          </p:val>
+                                        </p:tav>
+                                      </p:tavLst>
+                                    </p:anim>
+                                    <p:anim calcmode="lin" valueType="num">
+                                      <p:cBhvr>
+                                        <p:cTn id="26" dur="500" fill="hold"/>
+                                        <p:tgtEl>
+                                          <p:spTgt spid="8210">
+                                            <p:txEl>
+                                              <p:pRg st="0" end="0"/>
+                                            </p:txEl>
+                                          </p:spTgt>
+                                        </p:tgtEl>
+                                        <p:attrNameLst>
+                                          <p:attrName>ppt_h</p:attrName>
+                                        </p:attrNameLst>
+                                      </p:cBhvr>
+                                      <p:tavLst>
+                                        <p:tav tm="0">
+                                          <p:val>
+                                            <p:strVal val="#ppt_h*0.01"/>
+                                          </p:val>
+                                        </p:tav>
+                                        <p:tav tm="100000">
+                                          <p:val>
+                                            <p:strVal val="#ppt_h"/>
+                                          </p:val>
+                                        </p:tav>
+                                      </p:tavLst>
+                                    </p:anim>
+                                    <p:anim calcmode="lin" valueType="num">
+                                      <p:cBhvr>
+                                        <p:cTn id="27" dur="500" fill="hold"/>
+                                        <p:tgtEl>
+                                          <p:spTgt spid="8210">
+                                            <p:txEl>
+                                              <p:pRg st="0" end="0"/>
+                                            </p:txEl>
+                                          </p:spTgt>
+                                        </p:tgtEl>
+                                        <p:attrNameLst>
+                                          <p:attrName>ppt_x</p:attrName>
+                                        </p:attrNameLst>
+                                      </p:cBhvr>
+                                      <p:tavLst>
+                                        <p:tav tm="0">
+                                          <p:val>
+                                            <p:strVal val="#ppt_x"/>
+                                          </p:val>
+                                        </p:tav>
+                                        <p:tav tm="100000">
+                                          <p:val>
+                                            <p:strVal val="#ppt_x"/>
+                                          </p:val>
+                                        </p:tav>
+                                      </p:tavLst>
+                                    </p:anim>
+                                    <p:anim calcmode="lin" valueType="num">
+                                      <p:cBhvr>
+                                        <p:cTn id="28" dur="500" fill="hold"/>
+                                        <p:tgtEl>
+                                          <p:spTgt spid="8210">
+                                            <p:txEl>
+                                              <p:pRg st="0" end="0"/>
+                                            </p:txEl>
+                                          </p:spTgt>
+                                        </p:tgtEl>
+                                        <p:attrNameLst>
+                                          <p:attrName>ppt_y</p:attrName>
+                                        </p:attrNameLst>
+                                      </p:cBhvr>
+                                      <p:tavLst>
+                                        <p:tav tm="0">
+                                          <p:val>
+                                            <p:strVal val="#ppt_h+1"/>
+                                          </p:val>
+                                        </p:tav>
+                                        <p:tav tm="100000">
+                                          <p:val>
+                                            <p:strVal val="#ppt_y"/>
+                                          </p:val>
+                                        </p:tav>
+                                      </p:tavLst>
+                                    </p:anim>
+                                    <p:animEffect transition="in" filter="fade">
+                                      <p:cBhvr>
+                                        <p:cTn id="29" dur="500"/>
+                                        <p:tgtEl>
+                                          <p:spTgt spid="8210">
+                                            <p:txEl>
+                                              <p:pRg st="0" end="0"/>
+                                            </p:txEl>
+                                          </p:spTgt>
+                                        </p:tgtEl>
+                                      </p:cBhvr>
+                                    </p:animEffect>
+                                  </p:childTnLst>
+                                </p:cTn>
+                              </p:par>
+                            </p:childTnLst>
+                          </p:cTn>
+                        </p:par>
+                      </p:childTnLst>
+                    </p:cTn>
+                  </p:par>
+                  <p:par>
+                    <p:cTn id="30" fill="hold">
+                      <p:stCondLst>
+                        <p:cond delay="indefinite"/>
+                      </p:stCondLst>
+                      <p:childTnLst>
+                        <p:par>
+                          <p:cTn id="31" fill="hold">
+                            <p:stCondLst>
+                              <p:cond delay="0"/>
+                            </p:stCondLst>
+                            <p:childTnLst>
+                              <p:par>
+                                <p:cTn id="32" presetID="58" presetClass="entr" presetSubtype="0" accel="100000" fill="hold" nodeType="clickEffect">
+                                  <p:stCondLst>
+                                    <p:cond delay="0"/>
+                                  </p:stCondLst>
+                                  <p:childTnLst>
+                                    <p:set>
+                                      <p:cBhvr>
+                                        <p:cTn id="33" dur="1" fill="hold">
+                                          <p:stCondLst>
+                                            <p:cond delay="0"/>
+                                          </p:stCondLst>
+                                        </p:cTn>
+                                        <p:tgtEl>
+                                          <p:spTgt spid="8211">
+                                            <p:txEl>
+                                              <p:pRg st="0" end="0"/>
+                                            </p:txEl>
+                                          </p:spTgt>
+                                        </p:tgtEl>
+                                        <p:attrNameLst>
+                                          <p:attrName>style.visibility</p:attrName>
+                                        </p:attrNameLst>
+                                      </p:cBhvr>
+                                      <p:to>
+                                        <p:strVal val="visible"/>
+                                      </p:to>
+                                    </p:set>
+                                    <p:anim calcmode="lin" valueType="num">
+                                      <p:cBhvr>
+                                        <p:cTn id="34" dur="500" fill="hold"/>
+                                        <p:tgtEl>
+                                          <p:spTgt spid="8211">
+                                            <p:txEl>
+                                              <p:pRg st="0" end="0"/>
+                                            </p:txEl>
+                                          </p:spTgt>
+                                        </p:tgtEl>
+                                        <p:attrNameLst>
+                                          <p:attrName>ppt_w</p:attrName>
+                                        </p:attrNameLst>
+                                      </p:cBhvr>
+                                      <p:tavLst>
+                                        <p:tav tm="0">
+                                          <p:val>
+                                            <p:strVal val="#ppt_w*2.5"/>
+                                          </p:val>
+                                        </p:tav>
+                                        <p:tav tm="100000">
+                                          <p:val>
+                                            <p:strVal val="#ppt_w"/>
+                                          </p:val>
+                                        </p:tav>
+                                      </p:tavLst>
+                                    </p:anim>
+                                    <p:anim calcmode="lin" valueType="num">
+                                      <p:cBhvr>
+                                        <p:cTn id="35" dur="500" fill="hold"/>
+                                        <p:tgtEl>
+                                          <p:spTgt spid="8211">
+                                            <p:txEl>
+                                              <p:pRg st="0" end="0"/>
+                                            </p:txEl>
+                                          </p:spTgt>
+                                        </p:tgtEl>
+                                        <p:attrNameLst>
+                                          <p:attrName>ppt_h</p:attrName>
+                                        </p:attrNameLst>
+                                      </p:cBhvr>
+                                      <p:tavLst>
+                                        <p:tav tm="0">
+                                          <p:val>
+                                            <p:strVal val="#ppt_h*0.01"/>
+                                          </p:val>
+                                        </p:tav>
+                                        <p:tav tm="100000">
+                                          <p:val>
+                                            <p:strVal val="#ppt_h"/>
+                                          </p:val>
+                                        </p:tav>
+                                      </p:tavLst>
+                                    </p:anim>
+                                    <p:anim calcmode="lin" valueType="num">
+                                      <p:cBhvr>
+                                        <p:cTn id="36" dur="500" fill="hold"/>
+                                        <p:tgtEl>
+                                          <p:spTgt spid="8211">
+                                            <p:txEl>
+                                              <p:pRg st="0" end="0"/>
+                                            </p:txEl>
+                                          </p:spTgt>
+                                        </p:tgtEl>
+                                        <p:attrNameLst>
+                                          <p:attrName>ppt_x</p:attrName>
+                                        </p:attrNameLst>
+                                      </p:cBhvr>
+                                      <p:tavLst>
+                                        <p:tav tm="0">
+                                          <p:val>
+                                            <p:strVal val="#ppt_x"/>
+                                          </p:val>
+                                        </p:tav>
+                                        <p:tav tm="100000">
+                                          <p:val>
+                                            <p:strVal val="#ppt_x"/>
+                                          </p:val>
+                                        </p:tav>
+                                      </p:tavLst>
+                                    </p:anim>
+                                    <p:anim calcmode="lin" valueType="num">
+                                      <p:cBhvr>
+                                        <p:cTn id="37" dur="500" fill="hold"/>
+                                        <p:tgtEl>
+                                          <p:spTgt spid="8211">
+                                            <p:txEl>
+                                              <p:pRg st="0" end="0"/>
+                                            </p:txEl>
+                                          </p:spTgt>
+                                        </p:tgtEl>
+                                        <p:attrNameLst>
+                                          <p:attrName>ppt_y</p:attrName>
+                                        </p:attrNameLst>
+                                      </p:cBhvr>
+                                      <p:tavLst>
+                                        <p:tav tm="0">
+                                          <p:val>
+                                            <p:strVal val="#ppt_h+1"/>
+                                          </p:val>
+                                        </p:tav>
+                                        <p:tav tm="100000">
+                                          <p:val>
+                                            <p:strVal val="#ppt_y"/>
+                                          </p:val>
+                                        </p:tav>
+                                      </p:tavLst>
+                                    </p:anim>
+                                    <p:animEffect transition="in" filter="fade">
+                                      <p:cBhvr>
+                                        <p:cTn id="38" dur="500"/>
+                                        <p:tgtEl>
+                                          <p:spTgt spid="8211">
+                                            <p:txEl>
+                                              <p:pRg st="0" end="0"/>
+                                            </p:txEl>
+                                          </p:spTgt>
+                                        </p:tgtEl>
+                                      </p:cBhvr>
+                                    </p:animEffect>
+                                  </p:childTnLst>
+                                </p:cTn>
+                              </p:par>
+                            </p:childTnLst>
+                          </p:cTn>
+                        </p:par>
+                      </p:childTnLst>
+                    </p:cTn>
+                  </p:par>
+                  <p:par>
+                    <p:cTn id="39" fill="hold">
+                      <p:stCondLst>
+                        <p:cond delay="indefinite"/>
+                      </p:stCondLst>
+                      <p:childTnLst>
+                        <p:par>
+                          <p:cTn id="40" fill="hold">
+                            <p:stCondLst>
+                              <p:cond delay="0"/>
+                            </p:stCondLst>
+                            <p:childTnLst>
+                              <p:par>
+                                <p:cTn id="41" presetID="58" presetClass="entr" presetSubtype="0" accel="100000" fill="hold" nodeType="clickEffect">
+                                  <p:stCondLst>
+                                    <p:cond delay="0"/>
+                                  </p:stCondLst>
+                                  <p:childTnLst>
+                                    <p:set>
+                                      <p:cBhvr>
+                                        <p:cTn id="42" dur="1" fill="hold">
+                                          <p:stCondLst>
+                                            <p:cond delay="0"/>
+                                          </p:stCondLst>
+                                        </p:cTn>
+                                        <p:tgtEl>
+                                          <p:spTgt spid="8212">
+                                            <p:txEl>
+                                              <p:pRg st="0" end="0"/>
+                                            </p:txEl>
+                                          </p:spTgt>
+                                        </p:tgtEl>
+                                        <p:attrNameLst>
+                                          <p:attrName>style.visibility</p:attrName>
+                                        </p:attrNameLst>
+                                      </p:cBhvr>
+                                      <p:to>
+                                        <p:strVal val="visible"/>
+                                      </p:to>
+                                    </p:set>
+                                    <p:anim calcmode="lin" valueType="num">
+                                      <p:cBhvr>
+                                        <p:cTn id="43" dur="500" fill="hold"/>
+                                        <p:tgtEl>
+                                          <p:spTgt spid="8212">
+                                            <p:txEl>
+                                              <p:pRg st="0" end="0"/>
+                                            </p:txEl>
+                                          </p:spTgt>
+                                        </p:tgtEl>
+                                        <p:attrNameLst>
+                                          <p:attrName>ppt_w</p:attrName>
+                                        </p:attrNameLst>
+                                      </p:cBhvr>
+                                      <p:tavLst>
+                                        <p:tav tm="0">
+                                          <p:val>
+                                            <p:strVal val="#ppt_w*2.5"/>
+                                          </p:val>
+                                        </p:tav>
+                                        <p:tav tm="100000">
+                                          <p:val>
+                                            <p:strVal val="#ppt_w"/>
+                                          </p:val>
+                                        </p:tav>
+                                      </p:tavLst>
+                                    </p:anim>
+                                    <p:anim calcmode="lin" valueType="num">
+                                      <p:cBhvr>
+                                        <p:cTn id="44" dur="500" fill="hold"/>
+                                        <p:tgtEl>
+                                          <p:spTgt spid="8212">
+                                            <p:txEl>
+                                              <p:pRg st="0" end="0"/>
+                                            </p:txEl>
+                                          </p:spTgt>
+                                        </p:tgtEl>
+                                        <p:attrNameLst>
+                                          <p:attrName>ppt_h</p:attrName>
+                                        </p:attrNameLst>
+                                      </p:cBhvr>
+                                      <p:tavLst>
+                                        <p:tav tm="0">
+                                          <p:val>
+                                            <p:strVal val="#ppt_h*0.01"/>
+                                          </p:val>
+                                        </p:tav>
+                                        <p:tav tm="100000">
+                                          <p:val>
+                                            <p:strVal val="#ppt_h"/>
+                                          </p:val>
+                                        </p:tav>
+                                      </p:tavLst>
+                                    </p:anim>
+                                    <p:anim calcmode="lin" valueType="num">
+                                      <p:cBhvr>
+                                        <p:cTn id="45" dur="500" fill="hold"/>
+                                        <p:tgtEl>
+                                          <p:spTgt spid="8212">
+                                            <p:txEl>
+                                              <p:pRg st="0" end="0"/>
+                                            </p:txEl>
+                                          </p:spTgt>
+                                        </p:tgtEl>
+                                        <p:attrNameLst>
+                                          <p:attrName>ppt_x</p:attrName>
+                                        </p:attrNameLst>
+                                      </p:cBhvr>
+                                      <p:tavLst>
+                                        <p:tav tm="0">
+                                          <p:val>
+                                            <p:strVal val="#ppt_x"/>
+                                          </p:val>
+                                        </p:tav>
+                                        <p:tav tm="100000">
+                                          <p:val>
+                                            <p:strVal val="#ppt_x"/>
+                                          </p:val>
+                                        </p:tav>
+                                      </p:tavLst>
+                                    </p:anim>
+                                    <p:anim calcmode="lin" valueType="num">
+                                      <p:cBhvr>
+                                        <p:cTn id="46" dur="500" fill="hold"/>
+                                        <p:tgtEl>
+                                          <p:spTgt spid="8212">
+                                            <p:txEl>
+                                              <p:pRg st="0" end="0"/>
+                                            </p:txEl>
+                                          </p:spTgt>
+                                        </p:tgtEl>
+                                        <p:attrNameLst>
+                                          <p:attrName>ppt_y</p:attrName>
+                                        </p:attrNameLst>
+                                      </p:cBhvr>
+                                      <p:tavLst>
+                                        <p:tav tm="0">
+                                          <p:val>
+                                            <p:strVal val="#ppt_h+1"/>
+                                          </p:val>
+                                        </p:tav>
+                                        <p:tav tm="100000">
+                                          <p:val>
+                                            <p:strVal val="#ppt_y"/>
+                                          </p:val>
+                                        </p:tav>
+                                      </p:tavLst>
+                                    </p:anim>
+                                    <p:animEffect transition="in" filter="fade">
+                                      <p:cBhvr>
+                                        <p:cTn id="47" dur="500"/>
+                                        <p:tgtEl>
+                                          <p:spTgt spid="8212">
+                                            <p:txEl>
+                                              <p:pRg st="0" end="0"/>
+                                            </p:txEl>
+                                          </p:spTgt>
+                                        </p:tgtEl>
+                                      </p:cBhvr>
+                                    </p:animEffect>
+                                  </p:childTnLst>
+                                </p:cTn>
+                              </p:par>
+                            </p:childTnLst>
+                          </p:cTn>
+                        </p:par>
+                      </p:childTnLst>
+                    </p:cTn>
+                  </p:par>
+                  <p:par>
+                    <p:cTn id="48" fill="hold">
+                      <p:stCondLst>
+                        <p:cond delay="indefinite"/>
+                      </p:stCondLst>
+                      <p:childTnLst>
+                        <p:par>
+                          <p:cTn id="49" fill="hold">
+                            <p:stCondLst>
+                              <p:cond delay="0"/>
+                            </p:stCondLst>
+                            <p:childTnLst>
+                              <p:par>
+                                <p:cTn id="50" presetID="58" presetClass="entr" presetSubtype="0" accel="100000" fill="hold" nodeType="clickEffect">
+                                  <p:stCondLst>
+                                    <p:cond delay="0"/>
+                                  </p:stCondLst>
+                                  <p:childTnLst>
+                                    <p:set>
+                                      <p:cBhvr>
+                                        <p:cTn id="51" dur="1" fill="hold">
+                                          <p:stCondLst>
+                                            <p:cond delay="0"/>
+                                          </p:stCondLst>
+                                        </p:cTn>
+                                        <p:tgtEl>
+                                          <p:spTgt spid="8213">
+                                            <p:txEl>
+                                              <p:pRg st="0" end="0"/>
+                                            </p:txEl>
+                                          </p:spTgt>
+                                        </p:tgtEl>
+                                        <p:attrNameLst>
+                                          <p:attrName>style.visibility</p:attrName>
+                                        </p:attrNameLst>
+                                      </p:cBhvr>
+                                      <p:to>
+                                        <p:strVal val="visible"/>
+                                      </p:to>
+                                    </p:set>
+                                    <p:anim calcmode="lin" valueType="num">
+                                      <p:cBhvr>
+                                        <p:cTn id="52" dur="500" fill="hold"/>
+                                        <p:tgtEl>
+                                          <p:spTgt spid="8213">
+                                            <p:txEl>
+                                              <p:pRg st="0" end="0"/>
+                                            </p:txEl>
+                                          </p:spTgt>
+                                        </p:tgtEl>
+                                        <p:attrNameLst>
+                                          <p:attrName>ppt_w</p:attrName>
+                                        </p:attrNameLst>
+                                      </p:cBhvr>
+                                      <p:tavLst>
+                                        <p:tav tm="0">
+                                          <p:val>
+                                            <p:strVal val="#ppt_w*2.5"/>
+                                          </p:val>
+                                        </p:tav>
+                                        <p:tav tm="100000">
+                                          <p:val>
+                                            <p:strVal val="#ppt_w"/>
+                                          </p:val>
+                                        </p:tav>
+                                      </p:tavLst>
+                                    </p:anim>
+                                    <p:anim calcmode="lin" valueType="num">
+                                      <p:cBhvr>
+                                        <p:cTn id="53" dur="500" fill="hold"/>
+                                        <p:tgtEl>
+                                          <p:spTgt spid="8213">
+                                            <p:txEl>
+                                              <p:pRg st="0" end="0"/>
+                                            </p:txEl>
+                                          </p:spTgt>
+                                        </p:tgtEl>
+                                        <p:attrNameLst>
+                                          <p:attrName>ppt_h</p:attrName>
+                                        </p:attrNameLst>
+                                      </p:cBhvr>
+                                      <p:tavLst>
+                                        <p:tav tm="0">
+                                          <p:val>
+                                            <p:strVal val="#ppt_h*0.01"/>
+                                          </p:val>
+                                        </p:tav>
+                                        <p:tav tm="100000">
+                                          <p:val>
+                                            <p:strVal val="#ppt_h"/>
+                                          </p:val>
+                                        </p:tav>
+                                      </p:tavLst>
+                                    </p:anim>
+                                    <p:anim calcmode="lin" valueType="num">
+                                      <p:cBhvr>
+                                        <p:cTn id="54" dur="500" fill="hold"/>
+                                        <p:tgtEl>
+                                          <p:spTgt spid="8213">
+                                            <p:txEl>
+                                              <p:pRg st="0" end="0"/>
+                                            </p:txEl>
+                                          </p:spTgt>
+                                        </p:tgtEl>
+                                        <p:attrNameLst>
+                                          <p:attrName>ppt_x</p:attrName>
+                                        </p:attrNameLst>
+                                      </p:cBhvr>
+                                      <p:tavLst>
+                                        <p:tav tm="0">
+                                          <p:val>
+                                            <p:strVal val="#ppt_x"/>
+                                          </p:val>
+                                        </p:tav>
+                                        <p:tav tm="100000">
+                                          <p:val>
+                                            <p:strVal val="#ppt_x"/>
+                                          </p:val>
+                                        </p:tav>
+                                      </p:tavLst>
+                                    </p:anim>
+                                    <p:anim calcmode="lin" valueType="num">
+                                      <p:cBhvr>
+                                        <p:cTn id="55" dur="500" fill="hold"/>
+                                        <p:tgtEl>
+                                          <p:spTgt spid="8213">
+                                            <p:txEl>
+                                              <p:pRg st="0" end="0"/>
+                                            </p:txEl>
+                                          </p:spTgt>
+                                        </p:tgtEl>
+                                        <p:attrNameLst>
+                                          <p:attrName>ppt_y</p:attrName>
+                                        </p:attrNameLst>
+                                      </p:cBhvr>
+                                      <p:tavLst>
+                                        <p:tav tm="0">
+                                          <p:val>
+                                            <p:strVal val="#ppt_h+1"/>
+                                          </p:val>
+                                        </p:tav>
+                                        <p:tav tm="100000">
+                                          <p:val>
+                                            <p:strVal val="#ppt_y"/>
+                                          </p:val>
+                                        </p:tav>
+                                      </p:tavLst>
+                                    </p:anim>
+                                    <p:animEffect transition="in" filter="fade">
+                                      <p:cBhvr>
+                                        <p:cTn id="56" dur="500"/>
+                                        <p:tgtEl>
+                                          <p:spTgt spid="8213">
+                                            <p:txEl>
+                                              <p:pRg st="0" end="0"/>
+                                            </p:txEl>
+                                          </p:spTgt>
+                                        </p:tgtEl>
+                                      </p:cBhvr>
+                                    </p:animEffect>
+                                  </p:childTnLst>
+                                </p:cTn>
+                              </p:par>
+                            </p:childTnLst>
+                          </p:cTn>
+                        </p:par>
+                      </p:childTnLst>
+                    </p:cTn>
+                  </p:par>
+                  <p:par>
+                    <p:cTn id="57" fill="hold">
+                      <p:stCondLst>
+                        <p:cond delay="indefinite"/>
+                      </p:stCondLst>
+                      <p:childTnLst>
+                        <p:par>
+                          <p:cTn id="58" fill="hold">
+                            <p:stCondLst>
+                              <p:cond delay="0"/>
+                            </p:stCondLst>
+                            <p:childTnLst>
+                              <p:par>
+                                <p:cTn id="59" presetID="27" presetClass="entr" presetSubtype="0" fill="hold" nodeType="clickEffect">
+                                  <p:stCondLst>
+                                    <p:cond delay="0"/>
+                                  </p:stCondLst>
+                                  <p:iterate type="lt">
+                                    <p:tmPct val="50000"/>
+                                  </p:iterate>
+                                  <p:childTnLst>
+                                    <p:set>
+                                      <p:cBhvr>
+                                        <p:cTn id="60" dur="1" fill="hold">
+                                          <p:stCondLst>
+                                            <p:cond delay="0"/>
+                                          </p:stCondLst>
+                                        </p:cTn>
+                                        <p:tgtEl>
+                                          <p:spTgt spid="8218">
+                                            <p:txEl>
+                                              <p:pRg st="0" end="0"/>
+                                            </p:txEl>
+                                          </p:spTgt>
+                                        </p:tgtEl>
+                                        <p:attrNameLst>
+                                          <p:attrName>style.visibility</p:attrName>
+                                        </p:attrNameLst>
+                                      </p:cBhvr>
+                                      <p:to>
+                                        <p:strVal val="visible"/>
+                                      </p:to>
+                                    </p:set>
+                                    <p:anim calcmode="discrete" valueType="clr">
+                                      <p:cBhvr override="childStyle">
+                                        <p:cTn id="61" dur="80"/>
+                                        <p:tgtEl>
+                                          <p:spTgt spid="8218">
+                                            <p:txEl>
+                                              <p:pRg st="0" end="0"/>
+                                            </p:txEl>
+                                          </p:spTgt>
+                                        </p:tgtEl>
+                                        <p:attrNameLst>
+                                          <p:attrName>style.color</p:attrName>
+                                        </p:attrNameLst>
+                                      </p:cBhvr>
+                                      <p:tavLst>
+                                        <p:tav tm="0">
+                                          <p:val>
+                                            <p:clrVal>
+                                              <a:schemeClr val="accent2"/>
+                                            </p:clrVal>
+                                          </p:val>
+                                        </p:tav>
+                                        <p:tav tm="50000">
+                                          <p:val>
+                                            <p:clrVal>
+                                              <a:schemeClr val="hlink"/>
+                                            </p:clrVal>
+                                          </p:val>
+                                        </p:tav>
+                                      </p:tavLst>
+                                    </p:anim>
+                                    <p:anim calcmode="discrete" valueType="clr">
+                                      <p:cBhvr>
+                                        <p:cTn id="62" dur="80"/>
+                                        <p:tgtEl>
+                                          <p:spTgt spid="8218">
+                                            <p:txEl>
+                                              <p:pRg st="0" end="0"/>
+                                            </p:txEl>
+                                          </p:spTgt>
+                                        </p:tgtEl>
+                                        <p:attrNameLst>
+                                          <p:attrName>fillcolor</p:attrName>
+                                        </p:attrNameLst>
+                                      </p:cBhvr>
+                                      <p:tavLst>
+                                        <p:tav tm="0">
+                                          <p:val>
+                                            <p:clrVal>
+                                              <a:schemeClr val="accent2"/>
+                                            </p:clrVal>
+                                          </p:val>
+                                        </p:tav>
+                                        <p:tav tm="50000">
+                                          <p:val>
+                                            <p:clrVal>
+                                              <a:schemeClr val="hlink"/>
+                                            </p:clrVal>
+                                          </p:val>
+                                        </p:tav>
+                                      </p:tavLst>
+                                    </p:anim>
+                                    <p:set>
+                                      <p:cBhvr>
+                                        <p:cTn id="63" dur="80"/>
+                                        <p:tgtEl>
+                                          <p:spTgt spid="8218">
+                                            <p:txEl>
+                                              <p:pRg st="0" end="0"/>
+                                            </p:txEl>
+                                          </p:spTgt>
+                                        </p:tgtEl>
+                                        <p:attrNameLst>
+                                          <p:attrName>fill.type</p:attrName>
+                                        </p:attrNameLst>
+                                      </p:cBhvr>
+                                      <p:to>
+                                        <p:strVal val="solid"/>
+                                      </p:to>
+                                    </p:set>
+                                  </p:childTnLst>
+                                </p:cTn>
+                              </p:par>
+                            </p:childTnLst>
+                          </p:cTn>
+                        </p:par>
+                      </p:childTnLst>
+                    </p:cTn>
+                  </p:par>
+                </p:childTnLst>
+              </p:cTn>
+              <p:prevCondLst>
+                <p:cond evt="onPrev" delay="0">
+                  <p:tgtEl>
+                    <p:sldTgt/>
+                  </p:tgtEl>
+                </p:cond>
+              </p:prevCondLst>
+              <p:nextCondLst>
+                <p:cond evt="onNext" delay="0">
+                  <p:tgtEl>
+                    <p:sldTgt/>
+                  </p:tgtEl>
+                </p:cond>
+              </p:nextCondLst>
+            </p:seq>
+          </p:childTnLst>
+        </p:cTn>
+      </p:par>
+    </p:tnLst>
+  </p:timing>
 </p:sld>
 </file>
 
@@ -19774,6 +21178,9 @@
   <p:clrMapOvr>
     <a:masterClrMapping/>
   </p:clrMapOvr>
+  <p:transition>
+    <p:newsflash/>
+  </p:transition>
 </p:sld>
 </file>
 
@@ -21014,6 +22421,777 @@
   <p:clrMapOvr>
     <a:masterClrMapping/>
   </p:clrMapOvr>
+  <p:transition>
+    <p:dissolve/>
+  </p:transition>
+  <p:timing>
+    <p:tnLst>
+      <p:par>
+        <p:cTn id="1" dur="indefinite" restart="never" nodeType="tmRoot">
+          <p:childTnLst>
+            <p:seq concurrent="1" nextAc="seek">
+              <p:cTn id="2" dur="indefinite" nodeType="mainSeq">
+                <p:childTnLst>
+                  <p:par>
+                    <p:cTn id="3" fill="hold">
+                      <p:stCondLst>
+                        <p:cond delay="indefinite"/>
+                      </p:stCondLst>
+                      <p:childTnLst>
+                        <p:par>
+                          <p:cTn id="4" fill="hold">
+                            <p:stCondLst>
+                              <p:cond delay="0"/>
+                            </p:stCondLst>
+                            <p:childTnLst>
+                              <p:par>
+                                <p:cTn id="5" presetID="27" presetClass="entr" presetSubtype="0" fill="hold" nodeType="clickEffect">
+                                  <p:stCondLst>
+                                    <p:cond delay="0"/>
+                                  </p:stCondLst>
+                                  <p:iterate type="lt">
+                                    <p:tmPct val="50000"/>
+                                  </p:iterate>
+                                  <p:childTnLst>
+                                    <p:set>
+                                      <p:cBhvr>
+                                        <p:cTn id="6" dur="1" fill="hold">
+                                          <p:stCondLst>
+                                            <p:cond delay="0"/>
+                                          </p:stCondLst>
+                                        </p:cTn>
+                                        <p:tgtEl>
+                                          <p:spTgt spid="10257">
+                                            <p:txEl>
+                                              <p:pRg st="0" end="0"/>
+                                            </p:txEl>
+                                          </p:spTgt>
+                                        </p:tgtEl>
+                                        <p:attrNameLst>
+                                          <p:attrName>style.visibility</p:attrName>
+                                        </p:attrNameLst>
+                                      </p:cBhvr>
+                                      <p:to>
+                                        <p:strVal val="visible"/>
+                                      </p:to>
+                                    </p:set>
+                                    <p:anim calcmode="discrete" valueType="clr">
+                                      <p:cBhvr override="childStyle">
+                                        <p:cTn id="7" dur="80"/>
+                                        <p:tgtEl>
+                                          <p:spTgt spid="10257">
+                                            <p:txEl>
+                                              <p:pRg st="0" end="0"/>
+                                            </p:txEl>
+                                          </p:spTgt>
+                                        </p:tgtEl>
+                                        <p:attrNameLst>
+                                          <p:attrName>style.color</p:attrName>
+                                        </p:attrNameLst>
+                                      </p:cBhvr>
+                                      <p:tavLst>
+                                        <p:tav tm="0">
+                                          <p:val>
+                                            <p:clrVal>
+                                              <a:schemeClr val="accent2"/>
+                                            </p:clrVal>
+                                          </p:val>
+                                        </p:tav>
+                                        <p:tav tm="50000">
+                                          <p:val>
+                                            <p:clrVal>
+                                              <a:schemeClr val="hlink"/>
+                                            </p:clrVal>
+                                          </p:val>
+                                        </p:tav>
+                                      </p:tavLst>
+                                    </p:anim>
+                                    <p:anim calcmode="discrete" valueType="clr">
+                                      <p:cBhvr>
+                                        <p:cTn id="8" dur="80"/>
+                                        <p:tgtEl>
+                                          <p:spTgt spid="10257">
+                                            <p:txEl>
+                                              <p:pRg st="0" end="0"/>
+                                            </p:txEl>
+                                          </p:spTgt>
+                                        </p:tgtEl>
+                                        <p:attrNameLst>
+                                          <p:attrName>fillcolor</p:attrName>
+                                        </p:attrNameLst>
+                                      </p:cBhvr>
+                                      <p:tavLst>
+                                        <p:tav tm="0">
+                                          <p:val>
+                                            <p:clrVal>
+                                              <a:schemeClr val="accent2"/>
+                                            </p:clrVal>
+                                          </p:val>
+                                        </p:tav>
+                                        <p:tav tm="50000">
+                                          <p:val>
+                                            <p:clrVal>
+                                              <a:schemeClr val="hlink"/>
+                                            </p:clrVal>
+                                          </p:val>
+                                        </p:tav>
+                                      </p:tavLst>
+                                    </p:anim>
+                                    <p:set>
+                                      <p:cBhvr>
+                                        <p:cTn id="9" dur="80"/>
+                                        <p:tgtEl>
+                                          <p:spTgt spid="10257">
+                                            <p:txEl>
+                                              <p:pRg st="0" end="0"/>
+                                            </p:txEl>
+                                          </p:spTgt>
+                                        </p:tgtEl>
+                                        <p:attrNameLst>
+                                          <p:attrName>fill.type</p:attrName>
+                                        </p:attrNameLst>
+                                      </p:cBhvr>
+                                      <p:to>
+                                        <p:strVal val="solid"/>
+                                      </p:to>
+                                    </p:set>
+                                  </p:childTnLst>
+                                </p:cTn>
+                              </p:par>
+                            </p:childTnLst>
+                          </p:cTn>
+                        </p:par>
+                      </p:childTnLst>
+                    </p:cTn>
+                  </p:par>
+                  <p:par>
+                    <p:cTn id="10" fill="hold">
+                      <p:stCondLst>
+                        <p:cond delay="indefinite"/>
+                      </p:stCondLst>
+                      <p:childTnLst>
+                        <p:par>
+                          <p:cTn id="11" fill="hold">
+                            <p:stCondLst>
+                              <p:cond delay="0"/>
+                            </p:stCondLst>
+                            <p:childTnLst>
+                              <p:par>
+                                <p:cTn id="12" presetID="27" presetClass="entr" presetSubtype="0" fill="hold" nodeType="clickEffect">
+                                  <p:stCondLst>
+                                    <p:cond delay="0"/>
+                                  </p:stCondLst>
+                                  <p:iterate type="lt">
+                                    <p:tmPct val="50000"/>
+                                  </p:iterate>
+                                  <p:childTnLst>
+                                    <p:set>
+                                      <p:cBhvr>
+                                        <p:cTn id="13" dur="1" fill="hold">
+                                          <p:stCondLst>
+                                            <p:cond delay="0"/>
+                                          </p:stCondLst>
+                                        </p:cTn>
+                                        <p:tgtEl>
+                                          <p:spTgt spid="10257">
+                                            <p:txEl>
+                                              <p:pRg st="1" end="1"/>
+                                            </p:txEl>
+                                          </p:spTgt>
+                                        </p:tgtEl>
+                                        <p:attrNameLst>
+                                          <p:attrName>style.visibility</p:attrName>
+                                        </p:attrNameLst>
+                                      </p:cBhvr>
+                                      <p:to>
+                                        <p:strVal val="visible"/>
+                                      </p:to>
+                                    </p:set>
+                                    <p:anim calcmode="discrete" valueType="clr">
+                                      <p:cBhvr override="childStyle">
+                                        <p:cTn id="14" dur="80"/>
+                                        <p:tgtEl>
+                                          <p:spTgt spid="10257">
+                                            <p:txEl>
+                                              <p:pRg st="1" end="1"/>
+                                            </p:txEl>
+                                          </p:spTgt>
+                                        </p:tgtEl>
+                                        <p:attrNameLst>
+                                          <p:attrName>style.color</p:attrName>
+                                        </p:attrNameLst>
+                                      </p:cBhvr>
+                                      <p:tavLst>
+                                        <p:tav tm="0">
+                                          <p:val>
+                                            <p:clrVal>
+                                              <a:schemeClr val="accent2"/>
+                                            </p:clrVal>
+                                          </p:val>
+                                        </p:tav>
+                                        <p:tav tm="50000">
+                                          <p:val>
+                                            <p:clrVal>
+                                              <a:schemeClr val="hlink"/>
+                                            </p:clrVal>
+                                          </p:val>
+                                        </p:tav>
+                                      </p:tavLst>
+                                    </p:anim>
+                                    <p:anim calcmode="discrete" valueType="clr">
+                                      <p:cBhvr>
+                                        <p:cTn id="15" dur="80"/>
+                                        <p:tgtEl>
+                                          <p:spTgt spid="10257">
+                                            <p:txEl>
+                                              <p:pRg st="1" end="1"/>
+                                            </p:txEl>
+                                          </p:spTgt>
+                                        </p:tgtEl>
+                                        <p:attrNameLst>
+                                          <p:attrName>fillcolor</p:attrName>
+                                        </p:attrNameLst>
+                                      </p:cBhvr>
+                                      <p:tavLst>
+                                        <p:tav tm="0">
+                                          <p:val>
+                                            <p:clrVal>
+                                              <a:schemeClr val="accent2"/>
+                                            </p:clrVal>
+                                          </p:val>
+                                        </p:tav>
+                                        <p:tav tm="50000">
+                                          <p:val>
+                                            <p:clrVal>
+                                              <a:schemeClr val="hlink"/>
+                                            </p:clrVal>
+                                          </p:val>
+                                        </p:tav>
+                                      </p:tavLst>
+                                    </p:anim>
+                                    <p:set>
+                                      <p:cBhvr>
+                                        <p:cTn id="16" dur="80"/>
+                                        <p:tgtEl>
+                                          <p:spTgt spid="10257">
+                                            <p:txEl>
+                                              <p:pRg st="1" end="1"/>
+                                            </p:txEl>
+                                          </p:spTgt>
+                                        </p:tgtEl>
+                                        <p:attrNameLst>
+                                          <p:attrName>fill.type</p:attrName>
+                                        </p:attrNameLst>
+                                      </p:cBhvr>
+                                      <p:to>
+                                        <p:strVal val="solid"/>
+                                      </p:to>
+                                    </p:set>
+                                  </p:childTnLst>
+                                </p:cTn>
+                              </p:par>
+                              <p:par>
+                                <p:cTn id="17" presetID="27" presetClass="entr" presetSubtype="0" fill="hold" nodeType="withEffect">
+                                  <p:stCondLst>
+                                    <p:cond delay="0"/>
+                                  </p:stCondLst>
+                                  <p:iterate type="lt">
+                                    <p:tmPct val="50000"/>
+                                  </p:iterate>
+                                  <p:childTnLst>
+                                    <p:set>
+                                      <p:cBhvr>
+                                        <p:cTn id="18" dur="1" fill="hold">
+                                          <p:stCondLst>
+                                            <p:cond delay="0"/>
+                                          </p:stCondLst>
+                                        </p:cTn>
+                                        <p:tgtEl>
+                                          <p:spTgt spid="10257">
+                                            <p:txEl>
+                                              <p:pRg st="2" end="2"/>
+                                            </p:txEl>
+                                          </p:spTgt>
+                                        </p:tgtEl>
+                                        <p:attrNameLst>
+                                          <p:attrName>style.visibility</p:attrName>
+                                        </p:attrNameLst>
+                                      </p:cBhvr>
+                                      <p:to>
+                                        <p:strVal val="visible"/>
+                                      </p:to>
+                                    </p:set>
+                                    <p:anim calcmode="discrete" valueType="clr">
+                                      <p:cBhvr override="childStyle">
+                                        <p:cTn id="19" dur="80"/>
+                                        <p:tgtEl>
+                                          <p:spTgt spid="10257">
+                                            <p:txEl>
+                                              <p:pRg st="2" end="2"/>
+                                            </p:txEl>
+                                          </p:spTgt>
+                                        </p:tgtEl>
+                                        <p:attrNameLst>
+                                          <p:attrName>style.color</p:attrName>
+                                        </p:attrNameLst>
+                                      </p:cBhvr>
+                                      <p:tavLst>
+                                        <p:tav tm="0">
+                                          <p:val>
+                                            <p:clrVal>
+                                              <a:schemeClr val="accent2"/>
+                                            </p:clrVal>
+                                          </p:val>
+                                        </p:tav>
+                                        <p:tav tm="50000">
+                                          <p:val>
+                                            <p:clrVal>
+                                              <a:schemeClr val="hlink"/>
+                                            </p:clrVal>
+                                          </p:val>
+                                        </p:tav>
+                                      </p:tavLst>
+                                    </p:anim>
+                                    <p:anim calcmode="discrete" valueType="clr">
+                                      <p:cBhvr>
+                                        <p:cTn id="20" dur="80"/>
+                                        <p:tgtEl>
+                                          <p:spTgt spid="10257">
+                                            <p:txEl>
+                                              <p:pRg st="2" end="2"/>
+                                            </p:txEl>
+                                          </p:spTgt>
+                                        </p:tgtEl>
+                                        <p:attrNameLst>
+                                          <p:attrName>fillcolor</p:attrName>
+                                        </p:attrNameLst>
+                                      </p:cBhvr>
+                                      <p:tavLst>
+                                        <p:tav tm="0">
+                                          <p:val>
+                                            <p:clrVal>
+                                              <a:schemeClr val="accent2"/>
+                                            </p:clrVal>
+                                          </p:val>
+                                        </p:tav>
+                                        <p:tav tm="50000">
+                                          <p:val>
+                                            <p:clrVal>
+                                              <a:schemeClr val="hlink"/>
+                                            </p:clrVal>
+                                          </p:val>
+                                        </p:tav>
+                                      </p:tavLst>
+                                    </p:anim>
+                                    <p:set>
+                                      <p:cBhvr>
+                                        <p:cTn id="21" dur="80"/>
+                                        <p:tgtEl>
+                                          <p:spTgt spid="10257">
+                                            <p:txEl>
+                                              <p:pRg st="2" end="2"/>
+                                            </p:txEl>
+                                          </p:spTgt>
+                                        </p:tgtEl>
+                                        <p:attrNameLst>
+                                          <p:attrName>fill.type</p:attrName>
+                                        </p:attrNameLst>
+                                      </p:cBhvr>
+                                      <p:to>
+                                        <p:strVal val="solid"/>
+                                      </p:to>
+                                    </p:set>
+                                  </p:childTnLst>
+                                </p:cTn>
+                              </p:par>
+                              <p:par>
+                                <p:cTn id="22" presetID="27" presetClass="entr" presetSubtype="0" fill="hold" nodeType="withEffect">
+                                  <p:stCondLst>
+                                    <p:cond delay="0"/>
+                                  </p:stCondLst>
+                                  <p:iterate type="lt">
+                                    <p:tmPct val="50000"/>
+                                  </p:iterate>
+                                  <p:childTnLst>
+                                    <p:set>
+                                      <p:cBhvr>
+                                        <p:cTn id="23" dur="1" fill="hold">
+                                          <p:stCondLst>
+                                            <p:cond delay="0"/>
+                                          </p:stCondLst>
+                                        </p:cTn>
+                                        <p:tgtEl>
+                                          <p:spTgt spid="10257">
+                                            <p:txEl>
+                                              <p:pRg st="3" end="3"/>
+                                            </p:txEl>
+                                          </p:spTgt>
+                                        </p:tgtEl>
+                                        <p:attrNameLst>
+                                          <p:attrName>style.visibility</p:attrName>
+                                        </p:attrNameLst>
+                                      </p:cBhvr>
+                                      <p:to>
+                                        <p:strVal val="visible"/>
+                                      </p:to>
+                                    </p:set>
+                                    <p:anim calcmode="discrete" valueType="clr">
+                                      <p:cBhvr override="childStyle">
+                                        <p:cTn id="24" dur="80"/>
+                                        <p:tgtEl>
+                                          <p:spTgt spid="10257">
+                                            <p:txEl>
+                                              <p:pRg st="3" end="3"/>
+                                            </p:txEl>
+                                          </p:spTgt>
+                                        </p:tgtEl>
+                                        <p:attrNameLst>
+                                          <p:attrName>style.color</p:attrName>
+                                        </p:attrNameLst>
+                                      </p:cBhvr>
+                                      <p:tavLst>
+                                        <p:tav tm="0">
+                                          <p:val>
+                                            <p:clrVal>
+                                              <a:schemeClr val="accent2"/>
+                                            </p:clrVal>
+                                          </p:val>
+                                        </p:tav>
+                                        <p:tav tm="50000">
+                                          <p:val>
+                                            <p:clrVal>
+                                              <a:schemeClr val="hlink"/>
+                                            </p:clrVal>
+                                          </p:val>
+                                        </p:tav>
+                                      </p:tavLst>
+                                    </p:anim>
+                                    <p:anim calcmode="discrete" valueType="clr">
+                                      <p:cBhvr>
+                                        <p:cTn id="25" dur="80"/>
+                                        <p:tgtEl>
+                                          <p:spTgt spid="10257">
+                                            <p:txEl>
+                                              <p:pRg st="3" end="3"/>
+                                            </p:txEl>
+                                          </p:spTgt>
+                                        </p:tgtEl>
+                                        <p:attrNameLst>
+                                          <p:attrName>fillcolor</p:attrName>
+                                        </p:attrNameLst>
+                                      </p:cBhvr>
+                                      <p:tavLst>
+                                        <p:tav tm="0">
+                                          <p:val>
+                                            <p:clrVal>
+                                              <a:schemeClr val="accent2"/>
+                                            </p:clrVal>
+                                          </p:val>
+                                        </p:tav>
+                                        <p:tav tm="50000">
+                                          <p:val>
+                                            <p:clrVal>
+                                              <a:schemeClr val="hlink"/>
+                                            </p:clrVal>
+                                          </p:val>
+                                        </p:tav>
+                                      </p:tavLst>
+                                    </p:anim>
+                                    <p:set>
+                                      <p:cBhvr>
+                                        <p:cTn id="26" dur="80"/>
+                                        <p:tgtEl>
+                                          <p:spTgt spid="10257">
+                                            <p:txEl>
+                                              <p:pRg st="3" end="3"/>
+                                            </p:txEl>
+                                          </p:spTgt>
+                                        </p:tgtEl>
+                                        <p:attrNameLst>
+                                          <p:attrName>fill.type</p:attrName>
+                                        </p:attrNameLst>
+                                      </p:cBhvr>
+                                      <p:to>
+                                        <p:strVal val="solid"/>
+                                      </p:to>
+                                    </p:set>
+                                  </p:childTnLst>
+                                </p:cTn>
+                              </p:par>
+                            </p:childTnLst>
+                          </p:cTn>
+                        </p:par>
+                      </p:childTnLst>
+                    </p:cTn>
+                  </p:par>
+                  <p:par>
+                    <p:cTn id="27" fill="hold">
+                      <p:stCondLst>
+                        <p:cond delay="indefinite"/>
+                      </p:stCondLst>
+                      <p:childTnLst>
+                        <p:par>
+                          <p:cTn id="28" fill="hold">
+                            <p:stCondLst>
+                              <p:cond delay="0"/>
+                            </p:stCondLst>
+                            <p:childTnLst>
+                              <p:par>
+                                <p:cTn id="29" presetID="27" presetClass="entr" presetSubtype="0" fill="hold" nodeType="clickEffect">
+                                  <p:stCondLst>
+                                    <p:cond delay="0"/>
+                                  </p:stCondLst>
+                                  <p:iterate type="lt">
+                                    <p:tmPct val="50000"/>
+                                  </p:iterate>
+                                  <p:childTnLst>
+                                    <p:set>
+                                      <p:cBhvr>
+                                        <p:cTn id="30" dur="1" fill="hold">
+                                          <p:stCondLst>
+                                            <p:cond delay="0"/>
+                                          </p:stCondLst>
+                                        </p:cTn>
+                                        <p:tgtEl>
+                                          <p:spTgt spid="10257">
+                                            <p:txEl>
+                                              <p:pRg st="4" end="4"/>
+                                            </p:txEl>
+                                          </p:spTgt>
+                                        </p:tgtEl>
+                                        <p:attrNameLst>
+                                          <p:attrName>style.visibility</p:attrName>
+                                        </p:attrNameLst>
+                                      </p:cBhvr>
+                                      <p:to>
+                                        <p:strVal val="visible"/>
+                                      </p:to>
+                                    </p:set>
+                                    <p:anim calcmode="discrete" valueType="clr">
+                                      <p:cBhvr override="childStyle">
+                                        <p:cTn id="31" dur="80"/>
+                                        <p:tgtEl>
+                                          <p:spTgt spid="10257">
+                                            <p:txEl>
+                                              <p:pRg st="4" end="4"/>
+                                            </p:txEl>
+                                          </p:spTgt>
+                                        </p:tgtEl>
+                                        <p:attrNameLst>
+                                          <p:attrName>style.color</p:attrName>
+                                        </p:attrNameLst>
+                                      </p:cBhvr>
+                                      <p:tavLst>
+                                        <p:tav tm="0">
+                                          <p:val>
+                                            <p:clrVal>
+                                              <a:schemeClr val="accent2"/>
+                                            </p:clrVal>
+                                          </p:val>
+                                        </p:tav>
+                                        <p:tav tm="50000">
+                                          <p:val>
+                                            <p:clrVal>
+                                              <a:schemeClr val="hlink"/>
+                                            </p:clrVal>
+                                          </p:val>
+                                        </p:tav>
+                                      </p:tavLst>
+                                    </p:anim>
+                                    <p:anim calcmode="discrete" valueType="clr">
+                                      <p:cBhvr>
+                                        <p:cTn id="32" dur="80"/>
+                                        <p:tgtEl>
+                                          <p:spTgt spid="10257">
+                                            <p:txEl>
+                                              <p:pRg st="4" end="4"/>
+                                            </p:txEl>
+                                          </p:spTgt>
+                                        </p:tgtEl>
+                                        <p:attrNameLst>
+                                          <p:attrName>fillcolor</p:attrName>
+                                        </p:attrNameLst>
+                                      </p:cBhvr>
+                                      <p:tavLst>
+                                        <p:tav tm="0">
+                                          <p:val>
+                                            <p:clrVal>
+                                              <a:schemeClr val="accent2"/>
+                                            </p:clrVal>
+                                          </p:val>
+                                        </p:tav>
+                                        <p:tav tm="50000">
+                                          <p:val>
+                                            <p:clrVal>
+                                              <a:schemeClr val="hlink"/>
+                                            </p:clrVal>
+                                          </p:val>
+                                        </p:tav>
+                                      </p:tavLst>
+                                    </p:anim>
+                                    <p:set>
+                                      <p:cBhvr>
+                                        <p:cTn id="33" dur="80"/>
+                                        <p:tgtEl>
+                                          <p:spTgt spid="10257">
+                                            <p:txEl>
+                                              <p:pRg st="4" end="4"/>
+                                            </p:txEl>
+                                          </p:spTgt>
+                                        </p:tgtEl>
+                                        <p:attrNameLst>
+                                          <p:attrName>fill.type</p:attrName>
+                                        </p:attrNameLst>
+                                      </p:cBhvr>
+                                      <p:to>
+                                        <p:strVal val="solid"/>
+                                      </p:to>
+                                    </p:set>
+                                  </p:childTnLst>
+                                </p:cTn>
+                              </p:par>
+                              <p:par>
+                                <p:cTn id="34" presetID="27" presetClass="entr" presetSubtype="0" fill="hold" nodeType="withEffect">
+                                  <p:stCondLst>
+                                    <p:cond delay="0"/>
+                                  </p:stCondLst>
+                                  <p:iterate type="lt">
+                                    <p:tmPct val="50000"/>
+                                  </p:iterate>
+                                  <p:childTnLst>
+                                    <p:set>
+                                      <p:cBhvr>
+                                        <p:cTn id="35" dur="1" fill="hold">
+                                          <p:stCondLst>
+                                            <p:cond delay="0"/>
+                                          </p:stCondLst>
+                                        </p:cTn>
+                                        <p:tgtEl>
+                                          <p:spTgt spid="10257">
+                                            <p:txEl>
+                                              <p:pRg st="5" end="5"/>
+                                            </p:txEl>
+                                          </p:spTgt>
+                                        </p:tgtEl>
+                                        <p:attrNameLst>
+                                          <p:attrName>style.visibility</p:attrName>
+                                        </p:attrNameLst>
+                                      </p:cBhvr>
+                                      <p:to>
+                                        <p:strVal val="visible"/>
+                                      </p:to>
+                                    </p:set>
+                                    <p:anim calcmode="discrete" valueType="clr">
+                                      <p:cBhvr override="childStyle">
+                                        <p:cTn id="36" dur="80"/>
+                                        <p:tgtEl>
+                                          <p:spTgt spid="10257">
+                                            <p:txEl>
+                                              <p:pRg st="5" end="5"/>
+                                            </p:txEl>
+                                          </p:spTgt>
+                                        </p:tgtEl>
+                                        <p:attrNameLst>
+                                          <p:attrName>style.color</p:attrName>
+                                        </p:attrNameLst>
+                                      </p:cBhvr>
+                                      <p:tavLst>
+                                        <p:tav tm="0">
+                                          <p:val>
+                                            <p:clrVal>
+                                              <a:schemeClr val="accent2"/>
+                                            </p:clrVal>
+                                          </p:val>
+                                        </p:tav>
+                                        <p:tav tm="50000">
+                                          <p:val>
+                                            <p:clrVal>
+                                              <a:schemeClr val="hlink"/>
+                                            </p:clrVal>
+                                          </p:val>
+                                        </p:tav>
+                                      </p:tavLst>
+                                    </p:anim>
+                                    <p:anim calcmode="discrete" valueType="clr">
+                                      <p:cBhvr>
+                                        <p:cTn id="37" dur="80"/>
+                                        <p:tgtEl>
+                                          <p:spTgt spid="10257">
+                                            <p:txEl>
+                                              <p:pRg st="5" end="5"/>
+                                            </p:txEl>
+                                          </p:spTgt>
+                                        </p:tgtEl>
+                                        <p:attrNameLst>
+                                          <p:attrName>fillcolor</p:attrName>
+                                        </p:attrNameLst>
+                                      </p:cBhvr>
+                                      <p:tavLst>
+                                        <p:tav tm="0">
+                                          <p:val>
+                                            <p:clrVal>
+                                              <a:schemeClr val="accent2"/>
+                                            </p:clrVal>
+                                          </p:val>
+                                        </p:tav>
+                                        <p:tav tm="50000">
+                                          <p:val>
+                                            <p:clrVal>
+                                              <a:schemeClr val="hlink"/>
+                                            </p:clrVal>
+                                          </p:val>
+                                        </p:tav>
+                                      </p:tavLst>
+                                    </p:anim>
+                                    <p:set>
+                                      <p:cBhvr>
+                                        <p:cTn id="38" dur="80"/>
+                                        <p:tgtEl>
+                                          <p:spTgt spid="10257">
+                                            <p:txEl>
+                                              <p:pRg st="5" end="5"/>
+                                            </p:txEl>
+                                          </p:spTgt>
+                                        </p:tgtEl>
+                                        <p:attrNameLst>
+                                          <p:attrName>fill.type</p:attrName>
+                                        </p:attrNameLst>
+                                      </p:cBhvr>
+                                      <p:to>
+                                        <p:strVal val="solid"/>
+                                      </p:to>
+                                    </p:set>
+                                  </p:childTnLst>
+                                </p:cTn>
+                              </p:par>
+                            </p:childTnLst>
+                          </p:cTn>
+                        </p:par>
+                      </p:childTnLst>
+                    </p:cTn>
+                  </p:par>
+                </p:childTnLst>
+              </p:cTn>
+              <p:prevCondLst>
+                <p:cond evt="onPrev" delay="0">
+                  <p:tgtEl>
+                    <p:sldTgt/>
+                  </p:tgtEl>
+                </p:cond>
+              </p:prevCondLst>
+              <p:nextCondLst>
+                <p:cond evt="onNext" delay="0">
+                  <p:tgtEl>
+                    <p:sldTgt/>
+                  </p:tgtEl>
+                </p:cond>
+              </p:nextCondLst>
+            </p:seq>
+          </p:childTnLst>
+        </p:cTn>
+      </p:par>
+    </p:tnLst>
+  </p:timing>
 </p:sld>
 </file>
 
@@ -22059,8 +24237,8 @@
         </p:blipFill>
         <p:spPr>
           <a:xfrm>
-            <a:off x="5520055" y="332740"/>
-            <a:ext cx="4599940" cy="2783840"/>
+            <a:off x="5519420" y="332740"/>
+            <a:ext cx="5024755" cy="3041015"/>
           </a:xfrm>
           <a:prstGeom prst="rect">
             <a:avLst/>
@@ -22094,7 +24272,6 @@
             <a:pPr algn="ctr"/>
             <a:r>
               <a:rPr lang="zh-CN" altLang="en-US" sz="4800" b="1">
-                <a:ln/>
                 <a:solidFill>
                   <a:schemeClr val="tx1"/>
                 </a:solidFill>
@@ -22109,7 +24286,6 @@
               <a:t>用例图</a:t>
             </a:r>
             <a:endParaRPr lang="zh-CN" altLang="en-US" sz="4800" b="1">
-              <a:ln/>
               <a:solidFill>
                 <a:schemeClr val="tx1"/>
               </a:solidFill>
@@ -22141,7 +24317,7 @@
         <p:spPr>
           <a:xfrm>
             <a:off x="5519420" y="3939540"/>
-            <a:ext cx="4599940" cy="2637155"/>
+            <a:ext cx="5097145" cy="2922270"/>
           </a:xfrm>
           <a:prstGeom prst="rect">
             <a:avLst/>
@@ -22201,6 +24377,699 @@
   <p:clrMapOvr>
     <a:masterClrMapping/>
   </p:clrMapOvr>
+  <p:transition>
+    <p:wipe/>
+  </p:transition>
+  <p:timing>
+    <p:tnLst>
+      <p:par>
+        <p:cTn id="1" dur="indefinite" restart="never" nodeType="tmRoot">
+          <p:childTnLst>
+            <p:seq concurrent="1" nextAc="seek">
+              <p:cTn id="2" dur="indefinite" nodeType="mainSeq">
+                <p:childTnLst>
+                  <p:par>
+                    <p:cTn id="3" fill="hold">
+                      <p:stCondLst>
+                        <p:cond delay="indefinite"/>
+                      </p:stCondLst>
+                      <p:childTnLst>
+                        <p:par>
+                          <p:cTn id="4" fill="hold">
+                            <p:stCondLst>
+                              <p:cond delay="0"/>
+                            </p:stCondLst>
+                            <p:childTnLst>
+                              <p:par>
+                                <p:cTn id="5" presetID="27" presetClass="entr" presetSubtype="0" fill="hold" nodeType="clickEffect">
+                                  <p:stCondLst>
+                                    <p:cond delay="0"/>
+                                  </p:stCondLst>
+                                  <p:iterate type="lt">
+                                    <p:tmPct val="50000"/>
+                                  </p:iterate>
+                                  <p:childTnLst>
+                                    <p:set>
+                                      <p:cBhvr>
+                                        <p:cTn id="6" dur="1" fill="hold">
+                                          <p:stCondLst>
+                                            <p:cond delay="0"/>
+                                          </p:stCondLst>
+                                        </p:cTn>
+                                        <p:tgtEl>
+                                          <p:spTgt spid="4">
+                                            <p:txEl>
+                                              <p:pRg st="0" end="0"/>
+                                            </p:txEl>
+                                          </p:spTgt>
+                                        </p:tgtEl>
+                                        <p:attrNameLst>
+                                          <p:attrName>style.visibility</p:attrName>
+                                        </p:attrNameLst>
+                                      </p:cBhvr>
+                                      <p:to>
+                                        <p:strVal val="visible"/>
+                                      </p:to>
+                                    </p:set>
+                                    <p:anim calcmode="discrete" valueType="clr">
+                                      <p:cBhvr override="childStyle">
+                                        <p:cTn id="7" dur="80"/>
+                                        <p:tgtEl>
+                                          <p:spTgt spid="4">
+                                            <p:txEl>
+                                              <p:pRg st="0" end="0"/>
+                                            </p:txEl>
+                                          </p:spTgt>
+                                        </p:tgtEl>
+                                        <p:attrNameLst>
+                                          <p:attrName>style.color</p:attrName>
+                                        </p:attrNameLst>
+                                      </p:cBhvr>
+                                      <p:tavLst>
+                                        <p:tav tm="0">
+                                          <p:val>
+                                            <p:clrVal>
+                                              <a:schemeClr val="accent2"/>
+                                            </p:clrVal>
+                                          </p:val>
+                                        </p:tav>
+                                        <p:tav tm="50000">
+                                          <p:val>
+                                            <p:clrVal>
+                                              <a:schemeClr val="hlink"/>
+                                            </p:clrVal>
+                                          </p:val>
+                                        </p:tav>
+                                      </p:tavLst>
+                                    </p:anim>
+                                    <p:anim calcmode="discrete" valueType="clr">
+                                      <p:cBhvr>
+                                        <p:cTn id="8" dur="80"/>
+                                        <p:tgtEl>
+                                          <p:spTgt spid="4">
+                                            <p:txEl>
+                                              <p:pRg st="0" end="0"/>
+                                            </p:txEl>
+                                          </p:spTgt>
+                                        </p:tgtEl>
+                                        <p:attrNameLst>
+                                          <p:attrName>fillcolor</p:attrName>
+                                        </p:attrNameLst>
+                                      </p:cBhvr>
+                                      <p:tavLst>
+                                        <p:tav tm="0">
+                                          <p:val>
+                                            <p:clrVal>
+                                              <a:schemeClr val="accent2"/>
+                                            </p:clrVal>
+                                          </p:val>
+                                        </p:tav>
+                                        <p:tav tm="50000">
+                                          <p:val>
+                                            <p:clrVal>
+                                              <a:schemeClr val="hlink"/>
+                                            </p:clrVal>
+                                          </p:val>
+                                        </p:tav>
+                                      </p:tavLst>
+                                    </p:anim>
+                                    <p:set>
+                                      <p:cBhvr>
+                                        <p:cTn id="9" dur="80"/>
+                                        <p:tgtEl>
+                                          <p:spTgt spid="4">
+                                            <p:txEl>
+                                              <p:pRg st="0" end="0"/>
+                                            </p:txEl>
+                                          </p:spTgt>
+                                        </p:tgtEl>
+                                        <p:attrNameLst>
+                                          <p:attrName>fill.type</p:attrName>
+                                        </p:attrNameLst>
+                                      </p:cBhvr>
+                                      <p:to>
+                                        <p:strVal val="solid"/>
+                                      </p:to>
+                                    </p:set>
+                                  </p:childTnLst>
+                                </p:cTn>
+                              </p:par>
+                            </p:childTnLst>
+                          </p:cTn>
+                        </p:par>
+                      </p:childTnLst>
+                    </p:cTn>
+                  </p:par>
+                  <p:par>
+                    <p:cTn id="10" fill="hold">
+                      <p:stCondLst>
+                        <p:cond delay="indefinite"/>
+                      </p:stCondLst>
+                      <p:childTnLst>
+                        <p:par>
+                          <p:cTn id="11" fill="hold">
+                            <p:stCondLst>
+                              <p:cond delay="0"/>
+                            </p:stCondLst>
+                            <p:childTnLst>
+                              <p:par>
+                                <p:cTn id="12" presetID="43" presetClass="entr" presetSubtype="0" fill="hold" nodeType="clickEffect">
+                                  <p:stCondLst>
+                                    <p:cond delay="0"/>
+                                  </p:stCondLst>
+                                  <p:childTnLst>
+                                    <p:set>
+                                      <p:cBhvr>
+                                        <p:cTn id="13" dur="1" fill="hold">
+                                          <p:stCondLst>
+                                            <p:cond delay="0"/>
+                                          </p:stCondLst>
+                                        </p:cTn>
+                                        <p:tgtEl>
+                                          <p:spTgt spid="2"/>
+                                        </p:tgtEl>
+                                        <p:attrNameLst>
+                                          <p:attrName>style.visibility</p:attrName>
+                                        </p:attrNameLst>
+                                      </p:cBhvr>
+                                      <p:to>
+                                        <p:strVal val="visible"/>
+                                      </p:to>
+                                    </p:set>
+                                    <p:animEffect transition="in" filter="fade">
+                                      <p:cBhvr>
+                                        <p:cTn id="14" dur="100"/>
+                                        <p:tgtEl>
+                                          <p:spTgt spid="2"/>
+                                        </p:tgtEl>
+                                      </p:cBhvr>
+                                    </p:animEffect>
+                                    <p:anim calcmode="lin" valueType="num">
+                                      <p:cBhvr>
+                                        <p:cTn id="15" dur="400" fill="hold"/>
+                                        <p:tgtEl>
+                                          <p:spTgt spid="2"/>
+                                        </p:tgtEl>
+                                        <p:attrNameLst>
+                                          <p:attrName>ppt_x</p:attrName>
+                                        </p:attrNameLst>
+                                      </p:cBhvr>
+                                      <p:tavLst>
+                                        <p:tav tm="0">
+                                          <p:val>
+                                            <p:strVal val="#ppt_x"/>
+                                          </p:val>
+                                        </p:tav>
+                                        <p:tav tm="100000">
+                                          <p:val>
+                                            <p:strVal val="#ppt_x"/>
+                                          </p:val>
+                                        </p:tav>
+                                      </p:tavLst>
+                                    </p:anim>
+                                    <p:anim calcmode="lin" valueType="num">
+                                      <p:cBhvr>
+                                        <p:cTn id="16" dur="400" fill="hold"/>
+                                        <p:tgtEl>
+                                          <p:spTgt spid="2"/>
+                                        </p:tgtEl>
+                                        <p:attrNameLst>
+                                          <p:attrName>ppt_y</p:attrName>
+                                        </p:attrNameLst>
+                                      </p:cBhvr>
+                                      <p:tavLst>
+                                        <p:tav tm="0">
+                                          <p:val>
+                                            <p:strVal val="#ppt_y+0.31"/>
+                                          </p:val>
+                                        </p:tav>
+                                        <p:tav tm="100000">
+                                          <p:val>
+                                            <p:strVal val="#ppt_y+0.31"/>
+                                          </p:val>
+                                        </p:tav>
+                                      </p:tavLst>
+                                    </p:anim>
+                                    <p:anim calcmode="lin" valueType="num">
+                                      <p:cBhvr>
+                                        <p:cTn id="17" dur="600" decel="50000" fill="hold">
+                                          <p:stCondLst>
+                                            <p:cond delay="400"/>
+                                          </p:stCondLst>
+                                        </p:cTn>
+                                        <p:tgtEl>
+                                          <p:spTgt spid="2"/>
+                                        </p:tgtEl>
+                                        <p:attrNameLst>
+                                          <p:attrName>ppt_x</p:attrName>
+                                        </p:attrNameLst>
+                                      </p:cBhvr>
+                                      <p:tavLst>
+                                        <p:tav tm="0">
+                                          <p:val>
+                                            <p:strVal val="#ppt_x"/>
+                                          </p:val>
+                                        </p:tav>
+                                        <p:tav tm="5000">
+                                          <p:val>
+                                            <p:strVal val="#ppt_x+0.0242"/>
+                                          </p:val>
+                                        </p:tav>
+                                        <p:tav tm="10000">
+                                          <p:val>
+                                            <p:strVal val="#ppt_x+0.0479"/>
+                                          </p:val>
+                                        </p:tav>
+                                        <p:tav tm="15000">
+                                          <p:val>
+                                            <p:strVal val="#ppt_x+0.0704"/>
+                                          </p:val>
+                                        </p:tav>
+                                        <p:tav tm="20000">
+                                          <p:val>
+                                            <p:strVal val="#ppt_x+0.0911"/>
+                                          </p:val>
+                                        </p:tav>
+                                        <p:tav tm="25000">
+                                          <p:val>
+                                            <p:strVal val="#ppt_x+0.1096"/>
+                                          </p:val>
+                                        </p:tav>
+                                        <p:tav tm="30000">
+                                          <p:val>
+                                            <p:strVal val="#ppt_x+0.1254"/>
+                                          </p:val>
+                                        </p:tav>
+                                        <p:tav tm="35000">
+                                          <p:val>
+                                            <p:strVal val="#ppt_x+0.1381"/>
+                                          </p:val>
+                                        </p:tav>
+                                        <p:tav tm="40000">
+                                          <p:val>
+                                            <p:strVal val="#ppt_x+0.1474"/>
+                                          </p:val>
+                                        </p:tav>
+                                        <p:tav tm="45000">
+                                          <p:val>
+                                            <p:strVal val="#ppt_x+0.1531"/>
+                                          </p:val>
+                                        </p:tav>
+                                        <p:tav tm="50000">
+                                          <p:val>
+                                            <p:strVal val="#ppt_x+0.1550"/>
+                                          </p:val>
+                                        </p:tav>
+                                        <p:tav tm="55000">
+                                          <p:val>
+                                            <p:strVal val="#ppt_x+0.1531"/>
+                                          </p:val>
+                                        </p:tav>
+                                        <p:tav tm="60000">
+                                          <p:val>
+                                            <p:strVal val="#ppt_x+0.1474"/>
+                                          </p:val>
+                                        </p:tav>
+                                        <p:tav tm="65000">
+                                          <p:val>
+                                            <p:strVal val="#ppt_x+0.1381"/>
+                                          </p:val>
+                                        </p:tav>
+                                        <p:tav tm="70000">
+                                          <p:val>
+                                            <p:strVal val="#ppt_x+0.1254"/>
+                                          </p:val>
+                                        </p:tav>
+                                        <p:tav tm="75000">
+                                          <p:val>
+                                            <p:strVal val="#ppt_x+0.1096"/>
+                                          </p:val>
+                                        </p:tav>
+                                        <p:tav tm="80000">
+                                          <p:val>
+                                            <p:strVal val="#ppt_x+0.0911"/>
+                                          </p:val>
+                                        </p:tav>
+                                        <p:tav tm="85000">
+                                          <p:val>
+                                            <p:strVal val="#ppt_x+0.0704"/>
+                                          </p:val>
+                                        </p:tav>
+                                        <p:tav tm="90000">
+                                          <p:val>
+                                            <p:strVal val="#ppt_x+0.0479"/>
+                                          </p:val>
+                                        </p:tav>
+                                        <p:tav tm="95000">
+                                          <p:val>
+                                            <p:strVal val="#ppt_x+0.0242"/>
+                                          </p:val>
+                                        </p:tav>
+                                        <p:tav tm="100000">
+                                          <p:val>
+                                            <p:strVal val="#ppt_x"/>
+                                          </p:val>
+                                        </p:tav>
+                                      </p:tavLst>
+                                    </p:anim>
+                                    <p:anim calcmode="lin" valueType="num">
+                                      <p:cBhvr>
+                                        <p:cTn id="18" dur="600" decel="50000" fill="hold">
+                                          <p:stCondLst>
+                                            <p:cond delay="400"/>
+                                          </p:stCondLst>
+                                        </p:cTn>
+                                        <p:tgtEl>
+                                          <p:spTgt spid="2"/>
+                                        </p:tgtEl>
+                                        <p:attrNameLst>
+                                          <p:attrName>ppt_y</p:attrName>
+                                        </p:attrNameLst>
+                                      </p:cBhvr>
+                                      <p:tavLst>
+                                        <p:tav tm="0">
+                                          <p:val>
+                                            <p:strVal val="#ppt_y+0.31"/>
+                                          </p:val>
+                                        </p:tav>
+                                        <p:tav tm="5000">
+                                          <p:val>
+                                            <p:strVal val="#ppt_y+0.308"/>
+                                          </p:val>
+                                        </p:tav>
+                                        <p:tav tm="10000">
+                                          <p:val>
+                                            <p:strVal val="#ppt_y+0.3024"/>
+                                          </p:val>
+                                        </p:tav>
+                                        <p:tav tm="15000">
+                                          <p:val>
+                                            <p:strVal val="#ppt_y+0.2931"/>
+                                          </p:val>
+                                        </p:tav>
+                                        <p:tav tm="20000">
+                                          <p:val>
+                                            <p:strVal val="#ppt_y+0.2804"/>
+                                          </p:val>
+                                        </p:tav>
+                                        <p:tav tm="25000">
+                                          <p:val>
+                                            <p:strVal val="#ppt_y+0.2646"/>
+                                          </p:val>
+                                        </p:tav>
+                                        <p:tav tm="30000">
+                                          <p:val>
+                                            <p:strVal val="#ppt_y+0.2461"/>
+                                          </p:val>
+                                        </p:tav>
+                                        <p:tav tm="35000">
+                                          <p:val>
+                                            <p:strVal val="#ppt_y+0.2253"/>
+                                          </p:val>
+                                        </p:tav>
+                                        <p:tav tm="40000">
+                                          <p:val>
+                                            <p:strVal val="#ppt_y+0.2029"/>
+                                          </p:val>
+                                        </p:tav>
+                                        <p:tav tm="45000">
+                                          <p:val>
+                                            <p:strVal val="#ppt_y+0.1792"/>
+                                          </p:val>
+                                        </p:tav>
+                                        <p:tav tm="50000">
+                                          <p:val>
+                                            <p:strVal val="#ppt_y+0.155"/>
+                                          </p:val>
+                                        </p:tav>
+                                        <p:tav tm="55000">
+                                          <p:val>
+                                            <p:strVal val="#ppt_y+0.1307"/>
+                                          </p:val>
+                                        </p:tav>
+                                        <p:tav tm="60000">
+                                          <p:val>
+                                            <p:strVal val="#ppt_y+0.1071"/>
+                                          </p:val>
+                                        </p:tav>
+                                        <p:tav tm="65000">
+                                          <p:val>
+                                            <p:strVal val="#ppt_y+0.0846"/>
+                                          </p:val>
+                                        </p:tav>
+                                        <p:tav tm="70000">
+                                          <p:val>
+                                            <p:strVal val="#ppt_y+0.0639"/>
+                                          </p:val>
+                                        </p:tav>
+                                        <p:tav tm="75000">
+                                          <p:val>
+                                            <p:strVal val="#ppt_y+0.0454"/>
+                                          </p:val>
+                                        </p:tav>
+                                        <p:tav tm="80000">
+                                          <p:val>
+                                            <p:strVal val="#ppt_y+0.0296"/>
+                                          </p:val>
+                                        </p:tav>
+                                        <p:tav tm="85000">
+                                          <p:val>
+                                            <p:strVal val="#ppt_y+0.0169"/>
+                                          </p:val>
+                                        </p:tav>
+                                        <p:tav tm="90000">
+                                          <p:val>
+                                            <p:strVal val="#ppt_y+0.0076"/>
+                                          </p:val>
+                                        </p:tav>
+                                        <p:tav tm="95000">
+                                          <p:val>
+                                            <p:strVal val="#ppt_y+0.0019"/>
+                                          </p:val>
+                                        </p:tav>
+                                        <p:tav tm="100000">
+                                          <p:val>
+                                            <p:strVal val="#ppt_y"/>
+                                          </p:val>
+                                        </p:tav>
+                                      </p:tavLst>
+                                    </p:anim>
+                                  </p:childTnLst>
+                                </p:cTn>
+                              </p:par>
+                            </p:childTnLst>
+                          </p:cTn>
+                        </p:par>
+                      </p:childTnLst>
+                    </p:cTn>
+                  </p:par>
+                  <p:par>
+                    <p:cTn id="19" fill="hold">
+                      <p:stCondLst>
+                        <p:cond delay="indefinite"/>
+                      </p:stCondLst>
+                      <p:childTnLst>
+                        <p:par>
+                          <p:cTn id="20" fill="hold">
+                            <p:stCondLst>
+                              <p:cond delay="0"/>
+                            </p:stCondLst>
+                            <p:childTnLst>
+                              <p:par>
+                                <p:cTn id="21" presetID="27" presetClass="entr" presetSubtype="0" fill="hold" nodeType="clickEffect">
+                                  <p:stCondLst>
+                                    <p:cond delay="0"/>
+                                  </p:stCondLst>
+                                  <p:iterate type="lt">
+                                    <p:tmPct val="50000"/>
+                                  </p:iterate>
+                                  <p:childTnLst>
+                                    <p:set>
+                                      <p:cBhvr>
+                                        <p:cTn id="22" dur="1" fill="hold">
+                                          <p:stCondLst>
+                                            <p:cond delay="0"/>
+                                          </p:stCondLst>
+                                        </p:cTn>
+                                        <p:tgtEl>
+                                          <p:spTgt spid="14">
+                                            <p:txEl>
+                                              <p:pRg st="0" end="0"/>
+                                            </p:txEl>
+                                          </p:spTgt>
+                                        </p:tgtEl>
+                                        <p:attrNameLst>
+                                          <p:attrName>style.visibility</p:attrName>
+                                        </p:attrNameLst>
+                                      </p:cBhvr>
+                                      <p:to>
+                                        <p:strVal val="visible"/>
+                                      </p:to>
+                                    </p:set>
+                                    <p:anim calcmode="discrete" valueType="clr">
+                                      <p:cBhvr override="childStyle">
+                                        <p:cTn id="23" dur="80"/>
+                                        <p:tgtEl>
+                                          <p:spTgt spid="14">
+                                            <p:txEl>
+                                              <p:pRg st="0" end="0"/>
+                                            </p:txEl>
+                                          </p:spTgt>
+                                        </p:tgtEl>
+                                        <p:attrNameLst>
+                                          <p:attrName>style.color</p:attrName>
+                                        </p:attrNameLst>
+                                      </p:cBhvr>
+                                      <p:tavLst>
+                                        <p:tav tm="0">
+                                          <p:val>
+                                            <p:clrVal>
+                                              <a:schemeClr val="accent2"/>
+                                            </p:clrVal>
+                                          </p:val>
+                                        </p:tav>
+                                        <p:tav tm="50000">
+                                          <p:val>
+                                            <p:clrVal>
+                                              <a:schemeClr val="hlink"/>
+                                            </p:clrVal>
+                                          </p:val>
+                                        </p:tav>
+                                      </p:tavLst>
+                                    </p:anim>
+                                    <p:anim calcmode="discrete" valueType="clr">
+                                      <p:cBhvr>
+                                        <p:cTn id="24" dur="80"/>
+                                        <p:tgtEl>
+                                          <p:spTgt spid="14">
+                                            <p:txEl>
+                                              <p:pRg st="0" end="0"/>
+                                            </p:txEl>
+                                          </p:spTgt>
+                                        </p:tgtEl>
+                                        <p:attrNameLst>
+                                          <p:attrName>fillcolor</p:attrName>
+                                        </p:attrNameLst>
+                                      </p:cBhvr>
+                                      <p:tavLst>
+                                        <p:tav tm="0">
+                                          <p:val>
+                                            <p:clrVal>
+                                              <a:schemeClr val="accent2"/>
+                                            </p:clrVal>
+                                          </p:val>
+                                        </p:tav>
+                                        <p:tav tm="50000">
+                                          <p:val>
+                                            <p:clrVal>
+                                              <a:schemeClr val="hlink"/>
+                                            </p:clrVal>
+                                          </p:val>
+                                        </p:tav>
+                                      </p:tavLst>
+                                    </p:anim>
+                                    <p:set>
+                                      <p:cBhvr>
+                                        <p:cTn id="25" dur="80"/>
+                                        <p:tgtEl>
+                                          <p:spTgt spid="14">
+                                            <p:txEl>
+                                              <p:pRg st="0" end="0"/>
+                                            </p:txEl>
+                                          </p:spTgt>
+                                        </p:tgtEl>
+                                        <p:attrNameLst>
+                                          <p:attrName>fill.type</p:attrName>
+                                        </p:attrNameLst>
+                                      </p:cBhvr>
+                                      <p:to>
+                                        <p:strVal val="solid"/>
+                                      </p:to>
+                                    </p:set>
+                                  </p:childTnLst>
+                                </p:cTn>
+                              </p:par>
+                            </p:childTnLst>
+                          </p:cTn>
+                        </p:par>
+                      </p:childTnLst>
+                    </p:cTn>
+                  </p:par>
+                  <p:par>
+                    <p:cTn id="26" fill="hold">
+                      <p:stCondLst>
+                        <p:cond delay="indefinite"/>
+                      </p:stCondLst>
+                      <p:childTnLst>
+                        <p:par>
+                          <p:cTn id="27" fill="hold">
+                            <p:stCondLst>
+                              <p:cond delay="0"/>
+                            </p:stCondLst>
+                            <p:childTnLst>
+                              <p:par>
+                                <p:cTn id="28" presetID="9" presetClass="entr" presetSubtype="0" fill="hold" nodeType="clickEffect">
+                                  <p:stCondLst>
+                                    <p:cond delay="0"/>
+                                  </p:stCondLst>
+                                  <p:childTnLst>
+                                    <p:set>
+                                      <p:cBhvr>
+                                        <p:cTn id="29" dur="1" fill="hold">
+                                          <p:stCondLst>
+                                            <p:cond delay="0"/>
+                                          </p:stCondLst>
+                                        </p:cTn>
+                                        <p:tgtEl>
+                                          <p:spTgt spid="13"/>
+                                        </p:tgtEl>
+                                        <p:attrNameLst>
+                                          <p:attrName>style.visibility</p:attrName>
+                                        </p:attrNameLst>
+                                      </p:cBhvr>
+                                      <p:to>
+                                        <p:strVal val="visible"/>
+                                      </p:to>
+                                    </p:set>
+                                    <p:animEffect transition="in" filter="dissolve">
+                                      <p:cBhvr>
+                                        <p:cTn id="30" dur="500"/>
+                                        <p:tgtEl>
+                                          <p:spTgt spid="13"/>
+                                        </p:tgtEl>
+                                      </p:cBhvr>
+                                    </p:animEffect>
+                                  </p:childTnLst>
+                                </p:cTn>
+                              </p:par>
+                            </p:childTnLst>
+                          </p:cTn>
+                        </p:par>
+                      </p:childTnLst>
+                    </p:cTn>
+                  </p:par>
+                </p:childTnLst>
+              </p:cTn>
+              <p:prevCondLst>
+                <p:cond evt="onPrev" delay="0">
+                  <p:tgtEl>
+                    <p:sldTgt/>
+                  </p:tgtEl>
+                </p:cond>
+              </p:prevCondLst>
+              <p:nextCondLst>
+                <p:cond evt="onNext" delay="0">
+                  <p:tgtEl>
+                    <p:sldTgt/>
+                  </p:tgtEl>
+                </p:cond>
+              </p:nextCondLst>
+            </p:seq>
+          </p:childTnLst>
+        </p:cTn>
+      </p:par>
+    </p:tnLst>
+  </p:timing>
 </p:sld>
 </file>
 
@@ -23308,6 +26177,699 @@
   <p:clrMapOvr>
     <a:masterClrMapping/>
   </p:clrMapOvr>
+  <p:transition>
+    <p:wedge/>
+  </p:transition>
+  <p:timing>
+    <p:tnLst>
+      <p:par>
+        <p:cTn id="1" dur="indefinite" restart="never" nodeType="tmRoot">
+          <p:childTnLst>
+            <p:seq concurrent="1" nextAc="seek">
+              <p:cTn id="2" dur="indefinite" nodeType="mainSeq">
+                <p:childTnLst>
+                  <p:par>
+                    <p:cTn id="3" fill="hold">
+                      <p:stCondLst>
+                        <p:cond delay="indefinite"/>
+                      </p:stCondLst>
+                      <p:childTnLst>
+                        <p:par>
+                          <p:cTn id="4" fill="hold">
+                            <p:stCondLst>
+                              <p:cond delay="0"/>
+                            </p:stCondLst>
+                            <p:childTnLst>
+                              <p:par>
+                                <p:cTn id="5" presetID="27" presetClass="entr" presetSubtype="0" fill="hold" nodeType="clickEffect">
+                                  <p:stCondLst>
+                                    <p:cond delay="0"/>
+                                  </p:stCondLst>
+                                  <p:iterate type="lt">
+                                    <p:tmPct val="50000"/>
+                                  </p:iterate>
+                                  <p:childTnLst>
+                                    <p:set>
+                                      <p:cBhvr>
+                                        <p:cTn id="6" dur="1" fill="hold">
+                                          <p:stCondLst>
+                                            <p:cond delay="0"/>
+                                          </p:stCondLst>
+                                        </p:cTn>
+                                        <p:tgtEl>
+                                          <p:spTgt spid="12296">
+                                            <p:txEl>
+                                              <p:pRg st="0" end="0"/>
+                                            </p:txEl>
+                                          </p:spTgt>
+                                        </p:tgtEl>
+                                        <p:attrNameLst>
+                                          <p:attrName>style.visibility</p:attrName>
+                                        </p:attrNameLst>
+                                      </p:cBhvr>
+                                      <p:to>
+                                        <p:strVal val="visible"/>
+                                      </p:to>
+                                    </p:set>
+                                    <p:anim calcmode="discrete" valueType="clr">
+                                      <p:cBhvr override="childStyle">
+                                        <p:cTn id="7" dur="80"/>
+                                        <p:tgtEl>
+                                          <p:spTgt spid="12296">
+                                            <p:txEl>
+                                              <p:pRg st="0" end="0"/>
+                                            </p:txEl>
+                                          </p:spTgt>
+                                        </p:tgtEl>
+                                        <p:attrNameLst>
+                                          <p:attrName>style.color</p:attrName>
+                                        </p:attrNameLst>
+                                      </p:cBhvr>
+                                      <p:tavLst>
+                                        <p:tav tm="0">
+                                          <p:val>
+                                            <p:clrVal>
+                                              <a:schemeClr val="accent2"/>
+                                            </p:clrVal>
+                                          </p:val>
+                                        </p:tav>
+                                        <p:tav tm="50000">
+                                          <p:val>
+                                            <p:clrVal>
+                                              <a:schemeClr val="hlink"/>
+                                            </p:clrVal>
+                                          </p:val>
+                                        </p:tav>
+                                      </p:tavLst>
+                                    </p:anim>
+                                    <p:anim calcmode="discrete" valueType="clr">
+                                      <p:cBhvr>
+                                        <p:cTn id="8" dur="80"/>
+                                        <p:tgtEl>
+                                          <p:spTgt spid="12296">
+                                            <p:txEl>
+                                              <p:pRg st="0" end="0"/>
+                                            </p:txEl>
+                                          </p:spTgt>
+                                        </p:tgtEl>
+                                        <p:attrNameLst>
+                                          <p:attrName>fillcolor</p:attrName>
+                                        </p:attrNameLst>
+                                      </p:cBhvr>
+                                      <p:tavLst>
+                                        <p:tav tm="0">
+                                          <p:val>
+                                            <p:clrVal>
+                                              <a:schemeClr val="accent2"/>
+                                            </p:clrVal>
+                                          </p:val>
+                                        </p:tav>
+                                        <p:tav tm="50000">
+                                          <p:val>
+                                            <p:clrVal>
+                                              <a:schemeClr val="hlink"/>
+                                            </p:clrVal>
+                                          </p:val>
+                                        </p:tav>
+                                      </p:tavLst>
+                                    </p:anim>
+                                    <p:set>
+                                      <p:cBhvr>
+                                        <p:cTn id="9" dur="80"/>
+                                        <p:tgtEl>
+                                          <p:spTgt spid="12296">
+                                            <p:txEl>
+                                              <p:pRg st="0" end="0"/>
+                                            </p:txEl>
+                                          </p:spTgt>
+                                        </p:tgtEl>
+                                        <p:attrNameLst>
+                                          <p:attrName>fill.type</p:attrName>
+                                        </p:attrNameLst>
+                                      </p:cBhvr>
+                                      <p:to>
+                                        <p:strVal val="solid"/>
+                                      </p:to>
+                                    </p:set>
+                                  </p:childTnLst>
+                                </p:cTn>
+                              </p:par>
+                            </p:childTnLst>
+                          </p:cTn>
+                        </p:par>
+                      </p:childTnLst>
+                    </p:cTn>
+                  </p:par>
+                  <p:par>
+                    <p:cTn id="10" fill="hold">
+                      <p:stCondLst>
+                        <p:cond delay="indefinite"/>
+                      </p:stCondLst>
+                      <p:childTnLst>
+                        <p:par>
+                          <p:cTn id="11" fill="hold">
+                            <p:stCondLst>
+                              <p:cond delay="0"/>
+                            </p:stCondLst>
+                            <p:childTnLst>
+                              <p:par>
+                                <p:cTn id="12" presetID="27" presetClass="entr" presetSubtype="0" fill="hold" nodeType="clickEffect">
+                                  <p:stCondLst>
+                                    <p:cond delay="0"/>
+                                  </p:stCondLst>
+                                  <p:iterate type="lt">
+                                    <p:tmPct val="50000"/>
+                                  </p:iterate>
+                                  <p:childTnLst>
+                                    <p:set>
+                                      <p:cBhvr>
+                                        <p:cTn id="13" dur="1" fill="hold">
+                                          <p:stCondLst>
+                                            <p:cond delay="0"/>
+                                          </p:stCondLst>
+                                        </p:cTn>
+                                        <p:tgtEl>
+                                          <p:spTgt spid="12297">
+                                            <p:txEl>
+                                              <p:pRg st="0" end="0"/>
+                                            </p:txEl>
+                                          </p:spTgt>
+                                        </p:tgtEl>
+                                        <p:attrNameLst>
+                                          <p:attrName>style.visibility</p:attrName>
+                                        </p:attrNameLst>
+                                      </p:cBhvr>
+                                      <p:to>
+                                        <p:strVal val="visible"/>
+                                      </p:to>
+                                    </p:set>
+                                    <p:anim calcmode="discrete" valueType="clr">
+                                      <p:cBhvr override="childStyle">
+                                        <p:cTn id="14" dur="80"/>
+                                        <p:tgtEl>
+                                          <p:spTgt spid="12297">
+                                            <p:txEl>
+                                              <p:pRg st="0" end="0"/>
+                                            </p:txEl>
+                                          </p:spTgt>
+                                        </p:tgtEl>
+                                        <p:attrNameLst>
+                                          <p:attrName>style.color</p:attrName>
+                                        </p:attrNameLst>
+                                      </p:cBhvr>
+                                      <p:tavLst>
+                                        <p:tav tm="0">
+                                          <p:val>
+                                            <p:clrVal>
+                                              <a:schemeClr val="accent2"/>
+                                            </p:clrVal>
+                                          </p:val>
+                                        </p:tav>
+                                        <p:tav tm="50000">
+                                          <p:val>
+                                            <p:clrVal>
+                                              <a:schemeClr val="hlink"/>
+                                            </p:clrVal>
+                                          </p:val>
+                                        </p:tav>
+                                      </p:tavLst>
+                                    </p:anim>
+                                    <p:anim calcmode="discrete" valueType="clr">
+                                      <p:cBhvr>
+                                        <p:cTn id="15" dur="80"/>
+                                        <p:tgtEl>
+                                          <p:spTgt spid="12297">
+                                            <p:txEl>
+                                              <p:pRg st="0" end="0"/>
+                                            </p:txEl>
+                                          </p:spTgt>
+                                        </p:tgtEl>
+                                        <p:attrNameLst>
+                                          <p:attrName>fillcolor</p:attrName>
+                                        </p:attrNameLst>
+                                      </p:cBhvr>
+                                      <p:tavLst>
+                                        <p:tav tm="0">
+                                          <p:val>
+                                            <p:clrVal>
+                                              <a:schemeClr val="accent2"/>
+                                            </p:clrVal>
+                                          </p:val>
+                                        </p:tav>
+                                        <p:tav tm="50000">
+                                          <p:val>
+                                            <p:clrVal>
+                                              <a:schemeClr val="hlink"/>
+                                            </p:clrVal>
+                                          </p:val>
+                                        </p:tav>
+                                      </p:tavLst>
+                                    </p:anim>
+                                    <p:set>
+                                      <p:cBhvr>
+                                        <p:cTn id="16" dur="80"/>
+                                        <p:tgtEl>
+                                          <p:spTgt spid="12297">
+                                            <p:txEl>
+                                              <p:pRg st="0" end="0"/>
+                                            </p:txEl>
+                                          </p:spTgt>
+                                        </p:tgtEl>
+                                        <p:attrNameLst>
+                                          <p:attrName>fill.type</p:attrName>
+                                        </p:attrNameLst>
+                                      </p:cBhvr>
+                                      <p:to>
+                                        <p:strVal val="solid"/>
+                                      </p:to>
+                                    </p:set>
+                                  </p:childTnLst>
+                                </p:cTn>
+                              </p:par>
+                            </p:childTnLst>
+                          </p:cTn>
+                        </p:par>
+                      </p:childTnLst>
+                    </p:cTn>
+                  </p:par>
+                  <p:par>
+                    <p:cTn id="17" fill="hold">
+                      <p:stCondLst>
+                        <p:cond delay="indefinite"/>
+                      </p:stCondLst>
+                      <p:childTnLst>
+                        <p:par>
+                          <p:cTn id="18" fill="hold">
+                            <p:stCondLst>
+                              <p:cond delay="0"/>
+                            </p:stCondLst>
+                            <p:childTnLst>
+                              <p:par>
+                                <p:cTn id="19" presetID="27" presetClass="entr" presetSubtype="0" fill="hold" nodeType="clickEffect">
+                                  <p:stCondLst>
+                                    <p:cond delay="0"/>
+                                  </p:stCondLst>
+                                  <p:iterate type="lt">
+                                    <p:tmPct val="50000"/>
+                                  </p:iterate>
+                                  <p:childTnLst>
+                                    <p:set>
+                                      <p:cBhvr>
+                                        <p:cTn id="20" dur="1" fill="hold">
+                                          <p:stCondLst>
+                                            <p:cond delay="0"/>
+                                          </p:stCondLst>
+                                        </p:cTn>
+                                        <p:tgtEl>
+                                          <p:spTgt spid="12298">
+                                            <p:txEl>
+                                              <p:pRg st="0" end="0"/>
+                                            </p:txEl>
+                                          </p:spTgt>
+                                        </p:tgtEl>
+                                        <p:attrNameLst>
+                                          <p:attrName>style.visibility</p:attrName>
+                                        </p:attrNameLst>
+                                      </p:cBhvr>
+                                      <p:to>
+                                        <p:strVal val="visible"/>
+                                      </p:to>
+                                    </p:set>
+                                    <p:anim calcmode="discrete" valueType="clr">
+                                      <p:cBhvr override="childStyle">
+                                        <p:cTn id="21" dur="80"/>
+                                        <p:tgtEl>
+                                          <p:spTgt spid="12298">
+                                            <p:txEl>
+                                              <p:pRg st="0" end="0"/>
+                                            </p:txEl>
+                                          </p:spTgt>
+                                        </p:tgtEl>
+                                        <p:attrNameLst>
+                                          <p:attrName>style.color</p:attrName>
+                                        </p:attrNameLst>
+                                      </p:cBhvr>
+                                      <p:tavLst>
+                                        <p:tav tm="0">
+                                          <p:val>
+                                            <p:clrVal>
+                                              <a:schemeClr val="accent2"/>
+                                            </p:clrVal>
+                                          </p:val>
+                                        </p:tav>
+                                        <p:tav tm="50000">
+                                          <p:val>
+                                            <p:clrVal>
+                                              <a:schemeClr val="hlink"/>
+                                            </p:clrVal>
+                                          </p:val>
+                                        </p:tav>
+                                      </p:tavLst>
+                                    </p:anim>
+                                    <p:anim calcmode="discrete" valueType="clr">
+                                      <p:cBhvr>
+                                        <p:cTn id="22" dur="80"/>
+                                        <p:tgtEl>
+                                          <p:spTgt spid="12298">
+                                            <p:txEl>
+                                              <p:pRg st="0" end="0"/>
+                                            </p:txEl>
+                                          </p:spTgt>
+                                        </p:tgtEl>
+                                        <p:attrNameLst>
+                                          <p:attrName>fillcolor</p:attrName>
+                                        </p:attrNameLst>
+                                      </p:cBhvr>
+                                      <p:tavLst>
+                                        <p:tav tm="0">
+                                          <p:val>
+                                            <p:clrVal>
+                                              <a:schemeClr val="accent2"/>
+                                            </p:clrVal>
+                                          </p:val>
+                                        </p:tav>
+                                        <p:tav tm="50000">
+                                          <p:val>
+                                            <p:clrVal>
+                                              <a:schemeClr val="hlink"/>
+                                            </p:clrVal>
+                                          </p:val>
+                                        </p:tav>
+                                      </p:tavLst>
+                                    </p:anim>
+                                    <p:set>
+                                      <p:cBhvr>
+                                        <p:cTn id="23" dur="80"/>
+                                        <p:tgtEl>
+                                          <p:spTgt spid="12298">
+                                            <p:txEl>
+                                              <p:pRg st="0" end="0"/>
+                                            </p:txEl>
+                                          </p:spTgt>
+                                        </p:tgtEl>
+                                        <p:attrNameLst>
+                                          <p:attrName>fill.type</p:attrName>
+                                        </p:attrNameLst>
+                                      </p:cBhvr>
+                                      <p:to>
+                                        <p:strVal val="solid"/>
+                                      </p:to>
+                                    </p:set>
+                                  </p:childTnLst>
+                                </p:cTn>
+                              </p:par>
+                            </p:childTnLst>
+                          </p:cTn>
+                        </p:par>
+                      </p:childTnLst>
+                    </p:cTn>
+                  </p:par>
+                  <p:par>
+                    <p:cTn id="24" fill="hold">
+                      <p:stCondLst>
+                        <p:cond delay="indefinite"/>
+                      </p:stCondLst>
+                      <p:childTnLst>
+                        <p:par>
+                          <p:cTn id="25" fill="hold">
+                            <p:stCondLst>
+                              <p:cond delay="0"/>
+                            </p:stCondLst>
+                            <p:childTnLst>
+                              <p:par>
+                                <p:cTn id="26" presetID="27" presetClass="entr" presetSubtype="0" fill="hold" nodeType="clickEffect">
+                                  <p:stCondLst>
+                                    <p:cond delay="0"/>
+                                  </p:stCondLst>
+                                  <p:iterate type="lt">
+                                    <p:tmPct val="50000"/>
+                                  </p:iterate>
+                                  <p:childTnLst>
+                                    <p:set>
+                                      <p:cBhvr>
+                                        <p:cTn id="27" dur="1" fill="hold">
+                                          <p:stCondLst>
+                                            <p:cond delay="0"/>
+                                          </p:stCondLst>
+                                        </p:cTn>
+                                        <p:tgtEl>
+                                          <p:spTgt spid="12299">
+                                            <p:txEl>
+                                              <p:pRg st="0" end="0"/>
+                                            </p:txEl>
+                                          </p:spTgt>
+                                        </p:tgtEl>
+                                        <p:attrNameLst>
+                                          <p:attrName>style.visibility</p:attrName>
+                                        </p:attrNameLst>
+                                      </p:cBhvr>
+                                      <p:to>
+                                        <p:strVal val="visible"/>
+                                      </p:to>
+                                    </p:set>
+                                    <p:anim calcmode="discrete" valueType="clr">
+                                      <p:cBhvr override="childStyle">
+                                        <p:cTn id="28" dur="80"/>
+                                        <p:tgtEl>
+                                          <p:spTgt spid="12299">
+                                            <p:txEl>
+                                              <p:pRg st="0" end="0"/>
+                                            </p:txEl>
+                                          </p:spTgt>
+                                        </p:tgtEl>
+                                        <p:attrNameLst>
+                                          <p:attrName>style.color</p:attrName>
+                                        </p:attrNameLst>
+                                      </p:cBhvr>
+                                      <p:tavLst>
+                                        <p:tav tm="0">
+                                          <p:val>
+                                            <p:clrVal>
+                                              <a:schemeClr val="accent2"/>
+                                            </p:clrVal>
+                                          </p:val>
+                                        </p:tav>
+                                        <p:tav tm="50000">
+                                          <p:val>
+                                            <p:clrVal>
+                                              <a:schemeClr val="hlink"/>
+                                            </p:clrVal>
+                                          </p:val>
+                                        </p:tav>
+                                      </p:tavLst>
+                                    </p:anim>
+                                    <p:anim calcmode="discrete" valueType="clr">
+                                      <p:cBhvr>
+                                        <p:cTn id="29" dur="80"/>
+                                        <p:tgtEl>
+                                          <p:spTgt spid="12299">
+                                            <p:txEl>
+                                              <p:pRg st="0" end="0"/>
+                                            </p:txEl>
+                                          </p:spTgt>
+                                        </p:tgtEl>
+                                        <p:attrNameLst>
+                                          <p:attrName>fillcolor</p:attrName>
+                                        </p:attrNameLst>
+                                      </p:cBhvr>
+                                      <p:tavLst>
+                                        <p:tav tm="0">
+                                          <p:val>
+                                            <p:clrVal>
+                                              <a:schemeClr val="accent2"/>
+                                            </p:clrVal>
+                                          </p:val>
+                                        </p:tav>
+                                        <p:tav tm="50000">
+                                          <p:val>
+                                            <p:clrVal>
+                                              <a:schemeClr val="hlink"/>
+                                            </p:clrVal>
+                                          </p:val>
+                                        </p:tav>
+                                      </p:tavLst>
+                                    </p:anim>
+                                    <p:set>
+                                      <p:cBhvr>
+                                        <p:cTn id="30" dur="80"/>
+                                        <p:tgtEl>
+                                          <p:spTgt spid="12299">
+                                            <p:txEl>
+                                              <p:pRg st="0" end="0"/>
+                                            </p:txEl>
+                                          </p:spTgt>
+                                        </p:tgtEl>
+                                        <p:attrNameLst>
+                                          <p:attrName>fill.type</p:attrName>
+                                        </p:attrNameLst>
+                                      </p:cBhvr>
+                                      <p:to>
+                                        <p:strVal val="solid"/>
+                                      </p:to>
+                                    </p:set>
+                                  </p:childTnLst>
+                                </p:cTn>
+                              </p:par>
+                            </p:childTnLst>
+                          </p:cTn>
+                        </p:par>
+                      </p:childTnLst>
+                    </p:cTn>
+                  </p:par>
+                  <p:par>
+                    <p:cTn id="31" fill="hold">
+                      <p:stCondLst>
+                        <p:cond delay="indefinite"/>
+                      </p:stCondLst>
+                      <p:childTnLst>
+                        <p:par>
+                          <p:cTn id="32" fill="hold">
+                            <p:stCondLst>
+                              <p:cond delay="0"/>
+                            </p:stCondLst>
+                            <p:childTnLst>
+                              <p:par>
+                                <p:cTn id="33" presetID="27" presetClass="entr" presetSubtype="0" fill="hold" nodeType="clickEffect">
+                                  <p:stCondLst>
+                                    <p:cond delay="0"/>
+                                  </p:stCondLst>
+                                  <p:iterate type="lt">
+                                    <p:tmPct val="50000"/>
+                                  </p:iterate>
+                                  <p:childTnLst>
+                                    <p:set>
+                                      <p:cBhvr>
+                                        <p:cTn id="34" dur="1" fill="hold">
+                                          <p:stCondLst>
+                                            <p:cond delay="0"/>
+                                          </p:stCondLst>
+                                        </p:cTn>
+                                        <p:tgtEl>
+                                          <p:spTgt spid="12304">
+                                            <p:txEl>
+                                              <p:pRg st="0" end="0"/>
+                                            </p:txEl>
+                                          </p:spTgt>
+                                        </p:tgtEl>
+                                        <p:attrNameLst>
+                                          <p:attrName>style.visibility</p:attrName>
+                                        </p:attrNameLst>
+                                      </p:cBhvr>
+                                      <p:to>
+                                        <p:strVal val="visible"/>
+                                      </p:to>
+                                    </p:set>
+                                    <p:anim calcmode="discrete" valueType="clr">
+                                      <p:cBhvr override="childStyle">
+                                        <p:cTn id="35" dur="80"/>
+                                        <p:tgtEl>
+                                          <p:spTgt spid="12304">
+                                            <p:txEl>
+                                              <p:pRg st="0" end="0"/>
+                                            </p:txEl>
+                                          </p:spTgt>
+                                        </p:tgtEl>
+                                        <p:attrNameLst>
+                                          <p:attrName>style.color</p:attrName>
+                                        </p:attrNameLst>
+                                      </p:cBhvr>
+                                      <p:tavLst>
+                                        <p:tav tm="0">
+                                          <p:val>
+                                            <p:clrVal>
+                                              <a:schemeClr val="accent2"/>
+                                            </p:clrVal>
+                                          </p:val>
+                                        </p:tav>
+                                        <p:tav tm="50000">
+                                          <p:val>
+                                            <p:clrVal>
+                                              <a:schemeClr val="hlink"/>
+                                            </p:clrVal>
+                                          </p:val>
+                                        </p:tav>
+                                      </p:tavLst>
+                                    </p:anim>
+                                    <p:anim calcmode="discrete" valueType="clr">
+                                      <p:cBhvr>
+                                        <p:cTn id="36" dur="80"/>
+                                        <p:tgtEl>
+                                          <p:spTgt spid="12304">
+                                            <p:txEl>
+                                              <p:pRg st="0" end="0"/>
+                                            </p:txEl>
+                                          </p:spTgt>
+                                        </p:tgtEl>
+                                        <p:attrNameLst>
+                                          <p:attrName>fillcolor</p:attrName>
+                                        </p:attrNameLst>
+                                      </p:cBhvr>
+                                      <p:tavLst>
+                                        <p:tav tm="0">
+                                          <p:val>
+                                            <p:clrVal>
+                                              <a:schemeClr val="accent2"/>
+                                            </p:clrVal>
+                                          </p:val>
+                                        </p:tav>
+                                        <p:tav tm="50000">
+                                          <p:val>
+                                            <p:clrVal>
+                                              <a:schemeClr val="hlink"/>
+                                            </p:clrVal>
+                                          </p:val>
+                                        </p:tav>
+                                      </p:tavLst>
+                                    </p:anim>
+                                    <p:set>
+                                      <p:cBhvr>
+                                        <p:cTn id="37" dur="80"/>
+                                        <p:tgtEl>
+                                          <p:spTgt spid="12304">
+                                            <p:txEl>
+                                              <p:pRg st="0" end="0"/>
+                                            </p:txEl>
+                                          </p:spTgt>
+                                        </p:tgtEl>
+                                        <p:attrNameLst>
+                                          <p:attrName>fill.type</p:attrName>
+                                        </p:attrNameLst>
+                                      </p:cBhvr>
+                                      <p:to>
+                                        <p:strVal val="solid"/>
+                                      </p:to>
+                                    </p:set>
+                                  </p:childTnLst>
+                                </p:cTn>
+                              </p:par>
+                            </p:childTnLst>
+                          </p:cTn>
+                        </p:par>
+                      </p:childTnLst>
+                    </p:cTn>
+                  </p:par>
+                </p:childTnLst>
+              </p:cTn>
+              <p:prevCondLst>
+                <p:cond evt="onPrev" delay="0">
+                  <p:tgtEl>
+                    <p:sldTgt/>
+                  </p:tgtEl>
+                </p:cond>
+              </p:prevCondLst>
+              <p:nextCondLst>
+                <p:cond evt="onNext" delay="0">
+                  <p:tgtEl>
+                    <p:sldTgt/>
+                  </p:tgtEl>
+                </p:cond>
+              </p:nextCondLst>
+            </p:seq>
+          </p:childTnLst>
+        </p:cTn>
+      </p:par>
+    </p:tnLst>
+  </p:timing>
 </p:sld>
 </file>
 
@@ -24374,7 +27936,7 @@
         </p:nvSpPr>
         <p:spPr>
           <a:xfrm>
-            <a:off x="1972310" y="2336800"/>
+            <a:off x="1919605" y="2348865"/>
             <a:ext cx="1708150" cy="922020"/>
           </a:xfrm>
           <a:prstGeom prst="rect">
@@ -25151,6 +28713,1362 @@
   <p:clrMapOvr>
     <a:masterClrMapping/>
   </p:clrMapOvr>
+  <p:timing>
+    <p:tnLst>
+      <p:par>
+        <p:cTn id="1" dur="indefinite" restart="never" nodeType="tmRoot">
+          <p:childTnLst>
+            <p:seq concurrent="1" nextAc="seek">
+              <p:cTn id="2" dur="indefinite" nodeType="mainSeq">
+                <p:childTnLst>
+                  <p:par>
+                    <p:cTn id="3" fill="hold">
+                      <p:stCondLst>
+                        <p:cond delay="indefinite"/>
+                      </p:stCondLst>
+                      <p:childTnLst>
+                        <p:par>
+                          <p:cTn id="4" fill="hold">
+                            <p:stCondLst>
+                              <p:cond delay="0"/>
+                            </p:stCondLst>
+                            <p:childTnLst>
+                              <p:par>
+                                <p:cTn id="5" presetID="27" presetClass="entr" presetSubtype="0" fill="hold" nodeType="clickEffect">
+                                  <p:stCondLst>
+                                    <p:cond delay="0"/>
+                                  </p:stCondLst>
+                                  <p:iterate type="lt">
+                                    <p:tmPct val="50000"/>
+                                  </p:iterate>
+                                  <p:childTnLst>
+                                    <p:set>
+                                      <p:cBhvr>
+                                        <p:cTn id="6" dur="1" fill="hold">
+                                          <p:stCondLst>
+                                            <p:cond delay="0"/>
+                                          </p:stCondLst>
+                                        </p:cTn>
+                                        <p:tgtEl>
+                                          <p:spTgt spid="14346">
+                                            <p:txEl>
+                                              <p:pRg st="0" end="0"/>
+                                            </p:txEl>
+                                          </p:spTgt>
+                                        </p:tgtEl>
+                                        <p:attrNameLst>
+                                          <p:attrName>style.visibility</p:attrName>
+                                        </p:attrNameLst>
+                                      </p:cBhvr>
+                                      <p:to>
+                                        <p:strVal val="visible"/>
+                                      </p:to>
+                                    </p:set>
+                                    <p:anim calcmode="discrete" valueType="clr">
+                                      <p:cBhvr override="childStyle">
+                                        <p:cTn id="7" dur="80"/>
+                                        <p:tgtEl>
+                                          <p:spTgt spid="14346">
+                                            <p:txEl>
+                                              <p:pRg st="0" end="0"/>
+                                            </p:txEl>
+                                          </p:spTgt>
+                                        </p:tgtEl>
+                                        <p:attrNameLst>
+                                          <p:attrName>style.color</p:attrName>
+                                        </p:attrNameLst>
+                                      </p:cBhvr>
+                                      <p:tavLst>
+                                        <p:tav tm="0">
+                                          <p:val>
+                                            <p:clrVal>
+                                              <a:schemeClr val="accent2"/>
+                                            </p:clrVal>
+                                          </p:val>
+                                        </p:tav>
+                                        <p:tav tm="50000">
+                                          <p:val>
+                                            <p:clrVal>
+                                              <a:schemeClr val="hlink"/>
+                                            </p:clrVal>
+                                          </p:val>
+                                        </p:tav>
+                                      </p:tavLst>
+                                    </p:anim>
+                                    <p:anim calcmode="discrete" valueType="clr">
+                                      <p:cBhvr>
+                                        <p:cTn id="8" dur="80"/>
+                                        <p:tgtEl>
+                                          <p:spTgt spid="14346">
+                                            <p:txEl>
+                                              <p:pRg st="0" end="0"/>
+                                            </p:txEl>
+                                          </p:spTgt>
+                                        </p:tgtEl>
+                                        <p:attrNameLst>
+                                          <p:attrName>fillcolor</p:attrName>
+                                        </p:attrNameLst>
+                                      </p:cBhvr>
+                                      <p:tavLst>
+                                        <p:tav tm="0">
+                                          <p:val>
+                                            <p:clrVal>
+                                              <a:schemeClr val="accent2"/>
+                                            </p:clrVal>
+                                          </p:val>
+                                        </p:tav>
+                                        <p:tav tm="50000">
+                                          <p:val>
+                                            <p:clrVal>
+                                              <a:schemeClr val="hlink"/>
+                                            </p:clrVal>
+                                          </p:val>
+                                        </p:tav>
+                                      </p:tavLst>
+                                    </p:anim>
+                                    <p:set>
+                                      <p:cBhvr>
+                                        <p:cTn id="9" dur="80"/>
+                                        <p:tgtEl>
+                                          <p:spTgt spid="14346">
+                                            <p:txEl>
+                                              <p:pRg st="0" end="0"/>
+                                            </p:txEl>
+                                          </p:spTgt>
+                                        </p:tgtEl>
+                                        <p:attrNameLst>
+                                          <p:attrName>fill.type</p:attrName>
+                                        </p:attrNameLst>
+                                      </p:cBhvr>
+                                      <p:to>
+                                        <p:strVal val="solid"/>
+                                      </p:to>
+                                    </p:set>
+                                  </p:childTnLst>
+                                </p:cTn>
+                              </p:par>
+                              <p:par>
+                                <p:cTn id="10" presetID="27" presetClass="entr" presetSubtype="0" fill="hold" nodeType="withEffect">
+                                  <p:stCondLst>
+                                    <p:cond delay="0"/>
+                                  </p:stCondLst>
+                                  <p:iterate type="lt">
+                                    <p:tmPct val="50000"/>
+                                  </p:iterate>
+                                  <p:childTnLst>
+                                    <p:set>
+                                      <p:cBhvr>
+                                        <p:cTn id="11" dur="1" fill="hold">
+                                          <p:stCondLst>
+                                            <p:cond delay="0"/>
+                                          </p:stCondLst>
+                                        </p:cTn>
+                                        <p:tgtEl>
+                                          <p:spTgt spid="14346">
+                                            <p:txEl>
+                                              <p:pRg st="1" end="1"/>
+                                            </p:txEl>
+                                          </p:spTgt>
+                                        </p:tgtEl>
+                                        <p:attrNameLst>
+                                          <p:attrName>style.visibility</p:attrName>
+                                        </p:attrNameLst>
+                                      </p:cBhvr>
+                                      <p:to>
+                                        <p:strVal val="visible"/>
+                                      </p:to>
+                                    </p:set>
+                                    <p:anim calcmode="discrete" valueType="clr">
+                                      <p:cBhvr override="childStyle">
+                                        <p:cTn id="12" dur="80"/>
+                                        <p:tgtEl>
+                                          <p:spTgt spid="14346">
+                                            <p:txEl>
+                                              <p:pRg st="1" end="1"/>
+                                            </p:txEl>
+                                          </p:spTgt>
+                                        </p:tgtEl>
+                                        <p:attrNameLst>
+                                          <p:attrName>style.color</p:attrName>
+                                        </p:attrNameLst>
+                                      </p:cBhvr>
+                                      <p:tavLst>
+                                        <p:tav tm="0">
+                                          <p:val>
+                                            <p:clrVal>
+                                              <a:schemeClr val="accent2"/>
+                                            </p:clrVal>
+                                          </p:val>
+                                        </p:tav>
+                                        <p:tav tm="50000">
+                                          <p:val>
+                                            <p:clrVal>
+                                              <a:schemeClr val="hlink"/>
+                                            </p:clrVal>
+                                          </p:val>
+                                        </p:tav>
+                                      </p:tavLst>
+                                    </p:anim>
+                                    <p:anim calcmode="discrete" valueType="clr">
+                                      <p:cBhvr>
+                                        <p:cTn id="13" dur="80"/>
+                                        <p:tgtEl>
+                                          <p:spTgt spid="14346">
+                                            <p:txEl>
+                                              <p:pRg st="1" end="1"/>
+                                            </p:txEl>
+                                          </p:spTgt>
+                                        </p:tgtEl>
+                                        <p:attrNameLst>
+                                          <p:attrName>fillcolor</p:attrName>
+                                        </p:attrNameLst>
+                                      </p:cBhvr>
+                                      <p:tavLst>
+                                        <p:tav tm="0">
+                                          <p:val>
+                                            <p:clrVal>
+                                              <a:schemeClr val="accent2"/>
+                                            </p:clrVal>
+                                          </p:val>
+                                        </p:tav>
+                                        <p:tav tm="50000">
+                                          <p:val>
+                                            <p:clrVal>
+                                              <a:schemeClr val="hlink"/>
+                                            </p:clrVal>
+                                          </p:val>
+                                        </p:tav>
+                                      </p:tavLst>
+                                    </p:anim>
+                                    <p:set>
+                                      <p:cBhvr>
+                                        <p:cTn id="14" dur="80"/>
+                                        <p:tgtEl>
+                                          <p:spTgt spid="14346">
+                                            <p:txEl>
+                                              <p:pRg st="1" end="1"/>
+                                            </p:txEl>
+                                          </p:spTgt>
+                                        </p:tgtEl>
+                                        <p:attrNameLst>
+                                          <p:attrName>fill.type</p:attrName>
+                                        </p:attrNameLst>
+                                      </p:cBhvr>
+                                      <p:to>
+                                        <p:strVal val="solid"/>
+                                      </p:to>
+                                    </p:set>
+                                  </p:childTnLst>
+                                </p:cTn>
+                              </p:par>
+                              <p:par>
+                                <p:cTn id="15" presetID="27" presetClass="entr" presetSubtype="0" fill="hold" nodeType="withEffect">
+                                  <p:stCondLst>
+                                    <p:cond delay="0"/>
+                                  </p:stCondLst>
+                                  <p:iterate type="lt">
+                                    <p:tmPct val="50000"/>
+                                  </p:iterate>
+                                  <p:childTnLst>
+                                    <p:set>
+                                      <p:cBhvr>
+                                        <p:cTn id="16" dur="1" fill="hold">
+                                          <p:stCondLst>
+                                            <p:cond delay="0"/>
+                                          </p:stCondLst>
+                                        </p:cTn>
+                                        <p:tgtEl>
+                                          <p:spTgt spid="14346">
+                                            <p:txEl>
+                                              <p:pRg st="2" end="2"/>
+                                            </p:txEl>
+                                          </p:spTgt>
+                                        </p:tgtEl>
+                                        <p:attrNameLst>
+                                          <p:attrName>style.visibility</p:attrName>
+                                        </p:attrNameLst>
+                                      </p:cBhvr>
+                                      <p:to>
+                                        <p:strVal val="visible"/>
+                                      </p:to>
+                                    </p:set>
+                                    <p:anim calcmode="discrete" valueType="clr">
+                                      <p:cBhvr override="childStyle">
+                                        <p:cTn id="17" dur="80"/>
+                                        <p:tgtEl>
+                                          <p:spTgt spid="14346">
+                                            <p:txEl>
+                                              <p:pRg st="2" end="2"/>
+                                            </p:txEl>
+                                          </p:spTgt>
+                                        </p:tgtEl>
+                                        <p:attrNameLst>
+                                          <p:attrName>style.color</p:attrName>
+                                        </p:attrNameLst>
+                                      </p:cBhvr>
+                                      <p:tavLst>
+                                        <p:tav tm="0">
+                                          <p:val>
+                                            <p:clrVal>
+                                              <a:schemeClr val="accent2"/>
+                                            </p:clrVal>
+                                          </p:val>
+                                        </p:tav>
+                                        <p:tav tm="50000">
+                                          <p:val>
+                                            <p:clrVal>
+                                              <a:schemeClr val="hlink"/>
+                                            </p:clrVal>
+                                          </p:val>
+                                        </p:tav>
+                                      </p:tavLst>
+                                    </p:anim>
+                                    <p:anim calcmode="discrete" valueType="clr">
+                                      <p:cBhvr>
+                                        <p:cTn id="18" dur="80"/>
+                                        <p:tgtEl>
+                                          <p:spTgt spid="14346">
+                                            <p:txEl>
+                                              <p:pRg st="2" end="2"/>
+                                            </p:txEl>
+                                          </p:spTgt>
+                                        </p:tgtEl>
+                                        <p:attrNameLst>
+                                          <p:attrName>fillcolor</p:attrName>
+                                        </p:attrNameLst>
+                                      </p:cBhvr>
+                                      <p:tavLst>
+                                        <p:tav tm="0">
+                                          <p:val>
+                                            <p:clrVal>
+                                              <a:schemeClr val="accent2"/>
+                                            </p:clrVal>
+                                          </p:val>
+                                        </p:tav>
+                                        <p:tav tm="50000">
+                                          <p:val>
+                                            <p:clrVal>
+                                              <a:schemeClr val="hlink"/>
+                                            </p:clrVal>
+                                          </p:val>
+                                        </p:tav>
+                                      </p:tavLst>
+                                    </p:anim>
+                                    <p:set>
+                                      <p:cBhvr>
+                                        <p:cTn id="19" dur="80"/>
+                                        <p:tgtEl>
+                                          <p:spTgt spid="14346">
+                                            <p:txEl>
+                                              <p:pRg st="2" end="2"/>
+                                            </p:txEl>
+                                          </p:spTgt>
+                                        </p:tgtEl>
+                                        <p:attrNameLst>
+                                          <p:attrName>fill.type</p:attrName>
+                                        </p:attrNameLst>
+                                      </p:cBhvr>
+                                      <p:to>
+                                        <p:strVal val="solid"/>
+                                      </p:to>
+                                    </p:set>
+                                  </p:childTnLst>
+                                </p:cTn>
+                              </p:par>
+                            </p:childTnLst>
+                          </p:cTn>
+                        </p:par>
+                      </p:childTnLst>
+                    </p:cTn>
+                  </p:par>
+                  <p:par>
+                    <p:cTn id="20" fill="hold">
+                      <p:stCondLst>
+                        <p:cond delay="indefinite"/>
+                      </p:stCondLst>
+                      <p:childTnLst>
+                        <p:par>
+                          <p:cTn id="21" fill="hold">
+                            <p:stCondLst>
+                              <p:cond delay="0"/>
+                            </p:stCondLst>
+                            <p:childTnLst>
+                              <p:par>
+                                <p:cTn id="22" presetID="27" presetClass="entr" presetSubtype="0" fill="hold" nodeType="clickEffect">
+                                  <p:stCondLst>
+                                    <p:cond delay="0"/>
+                                  </p:stCondLst>
+                                  <p:iterate type="lt">
+                                    <p:tmPct val="50000"/>
+                                  </p:iterate>
+                                  <p:childTnLst>
+                                    <p:set>
+                                      <p:cBhvr>
+                                        <p:cTn id="23" dur="1" fill="hold">
+                                          <p:stCondLst>
+                                            <p:cond delay="0"/>
+                                          </p:stCondLst>
+                                        </p:cTn>
+                                        <p:tgtEl>
+                                          <p:spTgt spid="14347">
+                                            <p:txEl>
+                                              <p:pRg st="0" end="0"/>
+                                            </p:txEl>
+                                          </p:spTgt>
+                                        </p:tgtEl>
+                                        <p:attrNameLst>
+                                          <p:attrName>style.visibility</p:attrName>
+                                        </p:attrNameLst>
+                                      </p:cBhvr>
+                                      <p:to>
+                                        <p:strVal val="visible"/>
+                                      </p:to>
+                                    </p:set>
+                                    <p:anim calcmode="discrete" valueType="clr">
+                                      <p:cBhvr override="childStyle">
+                                        <p:cTn id="24" dur="80"/>
+                                        <p:tgtEl>
+                                          <p:spTgt spid="14347">
+                                            <p:txEl>
+                                              <p:pRg st="0" end="0"/>
+                                            </p:txEl>
+                                          </p:spTgt>
+                                        </p:tgtEl>
+                                        <p:attrNameLst>
+                                          <p:attrName>style.color</p:attrName>
+                                        </p:attrNameLst>
+                                      </p:cBhvr>
+                                      <p:tavLst>
+                                        <p:tav tm="0">
+                                          <p:val>
+                                            <p:clrVal>
+                                              <a:schemeClr val="accent2"/>
+                                            </p:clrVal>
+                                          </p:val>
+                                        </p:tav>
+                                        <p:tav tm="50000">
+                                          <p:val>
+                                            <p:clrVal>
+                                              <a:schemeClr val="hlink"/>
+                                            </p:clrVal>
+                                          </p:val>
+                                        </p:tav>
+                                      </p:tavLst>
+                                    </p:anim>
+                                    <p:anim calcmode="discrete" valueType="clr">
+                                      <p:cBhvr>
+                                        <p:cTn id="25" dur="80"/>
+                                        <p:tgtEl>
+                                          <p:spTgt spid="14347">
+                                            <p:txEl>
+                                              <p:pRg st="0" end="0"/>
+                                            </p:txEl>
+                                          </p:spTgt>
+                                        </p:tgtEl>
+                                        <p:attrNameLst>
+                                          <p:attrName>fillcolor</p:attrName>
+                                        </p:attrNameLst>
+                                      </p:cBhvr>
+                                      <p:tavLst>
+                                        <p:tav tm="0">
+                                          <p:val>
+                                            <p:clrVal>
+                                              <a:schemeClr val="accent2"/>
+                                            </p:clrVal>
+                                          </p:val>
+                                        </p:tav>
+                                        <p:tav tm="50000">
+                                          <p:val>
+                                            <p:clrVal>
+                                              <a:schemeClr val="hlink"/>
+                                            </p:clrVal>
+                                          </p:val>
+                                        </p:tav>
+                                      </p:tavLst>
+                                    </p:anim>
+                                    <p:set>
+                                      <p:cBhvr>
+                                        <p:cTn id="26" dur="80"/>
+                                        <p:tgtEl>
+                                          <p:spTgt spid="14347">
+                                            <p:txEl>
+                                              <p:pRg st="0" end="0"/>
+                                            </p:txEl>
+                                          </p:spTgt>
+                                        </p:tgtEl>
+                                        <p:attrNameLst>
+                                          <p:attrName>fill.type</p:attrName>
+                                        </p:attrNameLst>
+                                      </p:cBhvr>
+                                      <p:to>
+                                        <p:strVal val="solid"/>
+                                      </p:to>
+                                    </p:set>
+                                  </p:childTnLst>
+                                </p:cTn>
+                              </p:par>
+                              <p:par>
+                                <p:cTn id="27" presetID="27" presetClass="entr" presetSubtype="0" fill="hold" nodeType="withEffect">
+                                  <p:stCondLst>
+                                    <p:cond delay="0"/>
+                                  </p:stCondLst>
+                                  <p:iterate type="lt">
+                                    <p:tmPct val="50000"/>
+                                  </p:iterate>
+                                  <p:childTnLst>
+                                    <p:set>
+                                      <p:cBhvr>
+                                        <p:cTn id="28" dur="1" fill="hold">
+                                          <p:stCondLst>
+                                            <p:cond delay="0"/>
+                                          </p:stCondLst>
+                                        </p:cTn>
+                                        <p:tgtEl>
+                                          <p:spTgt spid="14347">
+                                            <p:txEl>
+                                              <p:pRg st="1" end="1"/>
+                                            </p:txEl>
+                                          </p:spTgt>
+                                        </p:tgtEl>
+                                        <p:attrNameLst>
+                                          <p:attrName>style.visibility</p:attrName>
+                                        </p:attrNameLst>
+                                      </p:cBhvr>
+                                      <p:to>
+                                        <p:strVal val="visible"/>
+                                      </p:to>
+                                    </p:set>
+                                    <p:anim calcmode="discrete" valueType="clr">
+                                      <p:cBhvr override="childStyle">
+                                        <p:cTn id="29" dur="80"/>
+                                        <p:tgtEl>
+                                          <p:spTgt spid="14347">
+                                            <p:txEl>
+                                              <p:pRg st="1" end="1"/>
+                                            </p:txEl>
+                                          </p:spTgt>
+                                        </p:tgtEl>
+                                        <p:attrNameLst>
+                                          <p:attrName>style.color</p:attrName>
+                                        </p:attrNameLst>
+                                      </p:cBhvr>
+                                      <p:tavLst>
+                                        <p:tav tm="0">
+                                          <p:val>
+                                            <p:clrVal>
+                                              <a:schemeClr val="accent2"/>
+                                            </p:clrVal>
+                                          </p:val>
+                                        </p:tav>
+                                        <p:tav tm="50000">
+                                          <p:val>
+                                            <p:clrVal>
+                                              <a:schemeClr val="hlink"/>
+                                            </p:clrVal>
+                                          </p:val>
+                                        </p:tav>
+                                      </p:tavLst>
+                                    </p:anim>
+                                    <p:anim calcmode="discrete" valueType="clr">
+                                      <p:cBhvr>
+                                        <p:cTn id="30" dur="80"/>
+                                        <p:tgtEl>
+                                          <p:spTgt spid="14347">
+                                            <p:txEl>
+                                              <p:pRg st="1" end="1"/>
+                                            </p:txEl>
+                                          </p:spTgt>
+                                        </p:tgtEl>
+                                        <p:attrNameLst>
+                                          <p:attrName>fillcolor</p:attrName>
+                                        </p:attrNameLst>
+                                      </p:cBhvr>
+                                      <p:tavLst>
+                                        <p:tav tm="0">
+                                          <p:val>
+                                            <p:clrVal>
+                                              <a:schemeClr val="accent2"/>
+                                            </p:clrVal>
+                                          </p:val>
+                                        </p:tav>
+                                        <p:tav tm="50000">
+                                          <p:val>
+                                            <p:clrVal>
+                                              <a:schemeClr val="hlink"/>
+                                            </p:clrVal>
+                                          </p:val>
+                                        </p:tav>
+                                      </p:tavLst>
+                                    </p:anim>
+                                    <p:set>
+                                      <p:cBhvr>
+                                        <p:cTn id="31" dur="80"/>
+                                        <p:tgtEl>
+                                          <p:spTgt spid="14347">
+                                            <p:txEl>
+                                              <p:pRg st="1" end="1"/>
+                                            </p:txEl>
+                                          </p:spTgt>
+                                        </p:tgtEl>
+                                        <p:attrNameLst>
+                                          <p:attrName>fill.type</p:attrName>
+                                        </p:attrNameLst>
+                                      </p:cBhvr>
+                                      <p:to>
+                                        <p:strVal val="solid"/>
+                                      </p:to>
+                                    </p:set>
+                                  </p:childTnLst>
+                                </p:cTn>
+                              </p:par>
+                              <p:par>
+                                <p:cTn id="32" presetID="27" presetClass="entr" presetSubtype="0" fill="hold" nodeType="withEffect">
+                                  <p:stCondLst>
+                                    <p:cond delay="0"/>
+                                  </p:stCondLst>
+                                  <p:iterate type="lt">
+                                    <p:tmPct val="50000"/>
+                                  </p:iterate>
+                                  <p:childTnLst>
+                                    <p:set>
+                                      <p:cBhvr>
+                                        <p:cTn id="33" dur="1" fill="hold">
+                                          <p:stCondLst>
+                                            <p:cond delay="0"/>
+                                          </p:stCondLst>
+                                        </p:cTn>
+                                        <p:tgtEl>
+                                          <p:spTgt spid="14347">
+                                            <p:txEl>
+                                              <p:pRg st="2" end="2"/>
+                                            </p:txEl>
+                                          </p:spTgt>
+                                        </p:tgtEl>
+                                        <p:attrNameLst>
+                                          <p:attrName>style.visibility</p:attrName>
+                                        </p:attrNameLst>
+                                      </p:cBhvr>
+                                      <p:to>
+                                        <p:strVal val="visible"/>
+                                      </p:to>
+                                    </p:set>
+                                    <p:anim calcmode="discrete" valueType="clr">
+                                      <p:cBhvr override="childStyle">
+                                        <p:cTn id="34" dur="80"/>
+                                        <p:tgtEl>
+                                          <p:spTgt spid="14347">
+                                            <p:txEl>
+                                              <p:pRg st="2" end="2"/>
+                                            </p:txEl>
+                                          </p:spTgt>
+                                        </p:tgtEl>
+                                        <p:attrNameLst>
+                                          <p:attrName>style.color</p:attrName>
+                                        </p:attrNameLst>
+                                      </p:cBhvr>
+                                      <p:tavLst>
+                                        <p:tav tm="0">
+                                          <p:val>
+                                            <p:clrVal>
+                                              <a:schemeClr val="accent2"/>
+                                            </p:clrVal>
+                                          </p:val>
+                                        </p:tav>
+                                        <p:tav tm="50000">
+                                          <p:val>
+                                            <p:clrVal>
+                                              <a:schemeClr val="hlink"/>
+                                            </p:clrVal>
+                                          </p:val>
+                                        </p:tav>
+                                      </p:tavLst>
+                                    </p:anim>
+                                    <p:anim calcmode="discrete" valueType="clr">
+                                      <p:cBhvr>
+                                        <p:cTn id="35" dur="80"/>
+                                        <p:tgtEl>
+                                          <p:spTgt spid="14347">
+                                            <p:txEl>
+                                              <p:pRg st="2" end="2"/>
+                                            </p:txEl>
+                                          </p:spTgt>
+                                        </p:tgtEl>
+                                        <p:attrNameLst>
+                                          <p:attrName>fillcolor</p:attrName>
+                                        </p:attrNameLst>
+                                      </p:cBhvr>
+                                      <p:tavLst>
+                                        <p:tav tm="0">
+                                          <p:val>
+                                            <p:clrVal>
+                                              <a:schemeClr val="accent2"/>
+                                            </p:clrVal>
+                                          </p:val>
+                                        </p:tav>
+                                        <p:tav tm="50000">
+                                          <p:val>
+                                            <p:clrVal>
+                                              <a:schemeClr val="hlink"/>
+                                            </p:clrVal>
+                                          </p:val>
+                                        </p:tav>
+                                      </p:tavLst>
+                                    </p:anim>
+                                    <p:set>
+                                      <p:cBhvr>
+                                        <p:cTn id="36" dur="80"/>
+                                        <p:tgtEl>
+                                          <p:spTgt spid="14347">
+                                            <p:txEl>
+                                              <p:pRg st="2" end="2"/>
+                                            </p:txEl>
+                                          </p:spTgt>
+                                        </p:tgtEl>
+                                        <p:attrNameLst>
+                                          <p:attrName>fill.type</p:attrName>
+                                        </p:attrNameLst>
+                                      </p:cBhvr>
+                                      <p:to>
+                                        <p:strVal val="solid"/>
+                                      </p:to>
+                                    </p:set>
+                                  </p:childTnLst>
+                                </p:cTn>
+                              </p:par>
+                            </p:childTnLst>
+                          </p:cTn>
+                        </p:par>
+                      </p:childTnLst>
+                    </p:cTn>
+                  </p:par>
+                  <p:par>
+                    <p:cTn id="37" fill="hold">
+                      <p:stCondLst>
+                        <p:cond delay="indefinite"/>
+                      </p:stCondLst>
+                      <p:childTnLst>
+                        <p:par>
+                          <p:cTn id="38" fill="hold">
+                            <p:stCondLst>
+                              <p:cond delay="0"/>
+                            </p:stCondLst>
+                            <p:childTnLst>
+                              <p:par>
+                                <p:cTn id="39" presetID="27" presetClass="entr" presetSubtype="0" fill="hold" nodeType="clickEffect">
+                                  <p:stCondLst>
+                                    <p:cond delay="0"/>
+                                  </p:stCondLst>
+                                  <p:iterate type="lt">
+                                    <p:tmPct val="50000"/>
+                                  </p:iterate>
+                                  <p:childTnLst>
+                                    <p:set>
+                                      <p:cBhvr>
+                                        <p:cTn id="40" dur="1" fill="hold">
+                                          <p:stCondLst>
+                                            <p:cond delay="0"/>
+                                          </p:stCondLst>
+                                        </p:cTn>
+                                        <p:tgtEl>
+                                          <p:spTgt spid="14348">
+                                            <p:txEl>
+                                              <p:pRg st="0" end="0"/>
+                                            </p:txEl>
+                                          </p:spTgt>
+                                        </p:tgtEl>
+                                        <p:attrNameLst>
+                                          <p:attrName>style.visibility</p:attrName>
+                                        </p:attrNameLst>
+                                      </p:cBhvr>
+                                      <p:to>
+                                        <p:strVal val="visible"/>
+                                      </p:to>
+                                    </p:set>
+                                    <p:anim calcmode="discrete" valueType="clr">
+                                      <p:cBhvr override="childStyle">
+                                        <p:cTn id="41" dur="80"/>
+                                        <p:tgtEl>
+                                          <p:spTgt spid="14348">
+                                            <p:txEl>
+                                              <p:pRg st="0" end="0"/>
+                                            </p:txEl>
+                                          </p:spTgt>
+                                        </p:tgtEl>
+                                        <p:attrNameLst>
+                                          <p:attrName>style.color</p:attrName>
+                                        </p:attrNameLst>
+                                      </p:cBhvr>
+                                      <p:tavLst>
+                                        <p:tav tm="0">
+                                          <p:val>
+                                            <p:clrVal>
+                                              <a:schemeClr val="accent2"/>
+                                            </p:clrVal>
+                                          </p:val>
+                                        </p:tav>
+                                        <p:tav tm="50000">
+                                          <p:val>
+                                            <p:clrVal>
+                                              <a:schemeClr val="hlink"/>
+                                            </p:clrVal>
+                                          </p:val>
+                                        </p:tav>
+                                      </p:tavLst>
+                                    </p:anim>
+                                    <p:anim calcmode="discrete" valueType="clr">
+                                      <p:cBhvr>
+                                        <p:cTn id="42" dur="80"/>
+                                        <p:tgtEl>
+                                          <p:spTgt spid="14348">
+                                            <p:txEl>
+                                              <p:pRg st="0" end="0"/>
+                                            </p:txEl>
+                                          </p:spTgt>
+                                        </p:tgtEl>
+                                        <p:attrNameLst>
+                                          <p:attrName>fillcolor</p:attrName>
+                                        </p:attrNameLst>
+                                      </p:cBhvr>
+                                      <p:tavLst>
+                                        <p:tav tm="0">
+                                          <p:val>
+                                            <p:clrVal>
+                                              <a:schemeClr val="accent2"/>
+                                            </p:clrVal>
+                                          </p:val>
+                                        </p:tav>
+                                        <p:tav tm="50000">
+                                          <p:val>
+                                            <p:clrVal>
+                                              <a:schemeClr val="hlink"/>
+                                            </p:clrVal>
+                                          </p:val>
+                                        </p:tav>
+                                      </p:tavLst>
+                                    </p:anim>
+                                    <p:set>
+                                      <p:cBhvr>
+                                        <p:cTn id="43" dur="80"/>
+                                        <p:tgtEl>
+                                          <p:spTgt spid="14348">
+                                            <p:txEl>
+                                              <p:pRg st="0" end="0"/>
+                                            </p:txEl>
+                                          </p:spTgt>
+                                        </p:tgtEl>
+                                        <p:attrNameLst>
+                                          <p:attrName>fill.type</p:attrName>
+                                        </p:attrNameLst>
+                                      </p:cBhvr>
+                                      <p:to>
+                                        <p:strVal val="solid"/>
+                                      </p:to>
+                                    </p:set>
+                                  </p:childTnLst>
+                                </p:cTn>
+                              </p:par>
+                              <p:par>
+                                <p:cTn id="44" presetID="27" presetClass="entr" presetSubtype="0" fill="hold" nodeType="withEffect">
+                                  <p:stCondLst>
+                                    <p:cond delay="0"/>
+                                  </p:stCondLst>
+                                  <p:iterate type="lt">
+                                    <p:tmPct val="50000"/>
+                                  </p:iterate>
+                                  <p:childTnLst>
+                                    <p:set>
+                                      <p:cBhvr>
+                                        <p:cTn id="45" dur="1" fill="hold">
+                                          <p:stCondLst>
+                                            <p:cond delay="0"/>
+                                          </p:stCondLst>
+                                        </p:cTn>
+                                        <p:tgtEl>
+                                          <p:spTgt spid="14348">
+                                            <p:txEl>
+                                              <p:pRg st="1" end="1"/>
+                                            </p:txEl>
+                                          </p:spTgt>
+                                        </p:tgtEl>
+                                        <p:attrNameLst>
+                                          <p:attrName>style.visibility</p:attrName>
+                                        </p:attrNameLst>
+                                      </p:cBhvr>
+                                      <p:to>
+                                        <p:strVal val="visible"/>
+                                      </p:to>
+                                    </p:set>
+                                    <p:anim calcmode="discrete" valueType="clr">
+                                      <p:cBhvr override="childStyle">
+                                        <p:cTn id="46" dur="80"/>
+                                        <p:tgtEl>
+                                          <p:spTgt spid="14348">
+                                            <p:txEl>
+                                              <p:pRg st="1" end="1"/>
+                                            </p:txEl>
+                                          </p:spTgt>
+                                        </p:tgtEl>
+                                        <p:attrNameLst>
+                                          <p:attrName>style.color</p:attrName>
+                                        </p:attrNameLst>
+                                      </p:cBhvr>
+                                      <p:tavLst>
+                                        <p:tav tm="0">
+                                          <p:val>
+                                            <p:clrVal>
+                                              <a:schemeClr val="accent2"/>
+                                            </p:clrVal>
+                                          </p:val>
+                                        </p:tav>
+                                        <p:tav tm="50000">
+                                          <p:val>
+                                            <p:clrVal>
+                                              <a:schemeClr val="hlink"/>
+                                            </p:clrVal>
+                                          </p:val>
+                                        </p:tav>
+                                      </p:tavLst>
+                                    </p:anim>
+                                    <p:anim calcmode="discrete" valueType="clr">
+                                      <p:cBhvr>
+                                        <p:cTn id="47" dur="80"/>
+                                        <p:tgtEl>
+                                          <p:spTgt spid="14348">
+                                            <p:txEl>
+                                              <p:pRg st="1" end="1"/>
+                                            </p:txEl>
+                                          </p:spTgt>
+                                        </p:tgtEl>
+                                        <p:attrNameLst>
+                                          <p:attrName>fillcolor</p:attrName>
+                                        </p:attrNameLst>
+                                      </p:cBhvr>
+                                      <p:tavLst>
+                                        <p:tav tm="0">
+                                          <p:val>
+                                            <p:clrVal>
+                                              <a:schemeClr val="accent2"/>
+                                            </p:clrVal>
+                                          </p:val>
+                                        </p:tav>
+                                        <p:tav tm="50000">
+                                          <p:val>
+                                            <p:clrVal>
+                                              <a:schemeClr val="hlink"/>
+                                            </p:clrVal>
+                                          </p:val>
+                                        </p:tav>
+                                      </p:tavLst>
+                                    </p:anim>
+                                    <p:set>
+                                      <p:cBhvr>
+                                        <p:cTn id="48" dur="80"/>
+                                        <p:tgtEl>
+                                          <p:spTgt spid="14348">
+                                            <p:txEl>
+                                              <p:pRg st="1" end="1"/>
+                                            </p:txEl>
+                                          </p:spTgt>
+                                        </p:tgtEl>
+                                        <p:attrNameLst>
+                                          <p:attrName>fill.type</p:attrName>
+                                        </p:attrNameLst>
+                                      </p:cBhvr>
+                                      <p:to>
+                                        <p:strVal val="solid"/>
+                                      </p:to>
+                                    </p:set>
+                                  </p:childTnLst>
+                                </p:cTn>
+                              </p:par>
+                              <p:par>
+                                <p:cTn id="49" presetID="27" presetClass="entr" presetSubtype="0" fill="hold" nodeType="withEffect">
+                                  <p:stCondLst>
+                                    <p:cond delay="0"/>
+                                  </p:stCondLst>
+                                  <p:iterate type="lt">
+                                    <p:tmPct val="50000"/>
+                                  </p:iterate>
+                                  <p:childTnLst>
+                                    <p:set>
+                                      <p:cBhvr>
+                                        <p:cTn id="50" dur="1" fill="hold">
+                                          <p:stCondLst>
+                                            <p:cond delay="0"/>
+                                          </p:stCondLst>
+                                        </p:cTn>
+                                        <p:tgtEl>
+                                          <p:spTgt spid="14348">
+                                            <p:txEl>
+                                              <p:pRg st="2" end="2"/>
+                                            </p:txEl>
+                                          </p:spTgt>
+                                        </p:tgtEl>
+                                        <p:attrNameLst>
+                                          <p:attrName>style.visibility</p:attrName>
+                                        </p:attrNameLst>
+                                      </p:cBhvr>
+                                      <p:to>
+                                        <p:strVal val="visible"/>
+                                      </p:to>
+                                    </p:set>
+                                    <p:anim calcmode="discrete" valueType="clr">
+                                      <p:cBhvr override="childStyle">
+                                        <p:cTn id="51" dur="80"/>
+                                        <p:tgtEl>
+                                          <p:spTgt spid="14348">
+                                            <p:txEl>
+                                              <p:pRg st="2" end="2"/>
+                                            </p:txEl>
+                                          </p:spTgt>
+                                        </p:tgtEl>
+                                        <p:attrNameLst>
+                                          <p:attrName>style.color</p:attrName>
+                                        </p:attrNameLst>
+                                      </p:cBhvr>
+                                      <p:tavLst>
+                                        <p:tav tm="0">
+                                          <p:val>
+                                            <p:clrVal>
+                                              <a:schemeClr val="accent2"/>
+                                            </p:clrVal>
+                                          </p:val>
+                                        </p:tav>
+                                        <p:tav tm="50000">
+                                          <p:val>
+                                            <p:clrVal>
+                                              <a:schemeClr val="hlink"/>
+                                            </p:clrVal>
+                                          </p:val>
+                                        </p:tav>
+                                      </p:tavLst>
+                                    </p:anim>
+                                    <p:anim calcmode="discrete" valueType="clr">
+                                      <p:cBhvr>
+                                        <p:cTn id="52" dur="80"/>
+                                        <p:tgtEl>
+                                          <p:spTgt spid="14348">
+                                            <p:txEl>
+                                              <p:pRg st="2" end="2"/>
+                                            </p:txEl>
+                                          </p:spTgt>
+                                        </p:tgtEl>
+                                        <p:attrNameLst>
+                                          <p:attrName>fillcolor</p:attrName>
+                                        </p:attrNameLst>
+                                      </p:cBhvr>
+                                      <p:tavLst>
+                                        <p:tav tm="0">
+                                          <p:val>
+                                            <p:clrVal>
+                                              <a:schemeClr val="accent2"/>
+                                            </p:clrVal>
+                                          </p:val>
+                                        </p:tav>
+                                        <p:tav tm="50000">
+                                          <p:val>
+                                            <p:clrVal>
+                                              <a:schemeClr val="hlink"/>
+                                            </p:clrVal>
+                                          </p:val>
+                                        </p:tav>
+                                      </p:tavLst>
+                                    </p:anim>
+                                    <p:set>
+                                      <p:cBhvr>
+                                        <p:cTn id="53" dur="80"/>
+                                        <p:tgtEl>
+                                          <p:spTgt spid="14348">
+                                            <p:txEl>
+                                              <p:pRg st="2" end="2"/>
+                                            </p:txEl>
+                                          </p:spTgt>
+                                        </p:tgtEl>
+                                        <p:attrNameLst>
+                                          <p:attrName>fill.type</p:attrName>
+                                        </p:attrNameLst>
+                                      </p:cBhvr>
+                                      <p:to>
+                                        <p:strVal val="solid"/>
+                                      </p:to>
+                                    </p:set>
+                                  </p:childTnLst>
+                                </p:cTn>
+                              </p:par>
+                            </p:childTnLst>
+                          </p:cTn>
+                        </p:par>
+                      </p:childTnLst>
+                    </p:cTn>
+                  </p:par>
+                  <p:par>
+                    <p:cTn id="54" fill="hold">
+                      <p:stCondLst>
+                        <p:cond delay="indefinite"/>
+                      </p:stCondLst>
+                      <p:childTnLst>
+                        <p:par>
+                          <p:cTn id="55" fill="hold">
+                            <p:stCondLst>
+                              <p:cond delay="0"/>
+                            </p:stCondLst>
+                            <p:childTnLst>
+                              <p:par>
+                                <p:cTn id="56" presetID="27" presetClass="entr" presetSubtype="0" fill="hold" nodeType="clickEffect">
+                                  <p:stCondLst>
+                                    <p:cond delay="0"/>
+                                  </p:stCondLst>
+                                  <p:iterate type="lt">
+                                    <p:tmPct val="50000"/>
+                                  </p:iterate>
+                                  <p:childTnLst>
+                                    <p:set>
+                                      <p:cBhvr>
+                                        <p:cTn id="57" dur="1" fill="hold">
+                                          <p:stCondLst>
+                                            <p:cond delay="0"/>
+                                          </p:stCondLst>
+                                        </p:cTn>
+                                        <p:tgtEl>
+                                          <p:spTgt spid="14349">
+                                            <p:txEl>
+                                              <p:pRg st="0" end="0"/>
+                                            </p:txEl>
+                                          </p:spTgt>
+                                        </p:tgtEl>
+                                        <p:attrNameLst>
+                                          <p:attrName>style.visibility</p:attrName>
+                                        </p:attrNameLst>
+                                      </p:cBhvr>
+                                      <p:to>
+                                        <p:strVal val="visible"/>
+                                      </p:to>
+                                    </p:set>
+                                    <p:anim calcmode="discrete" valueType="clr">
+                                      <p:cBhvr override="childStyle">
+                                        <p:cTn id="58" dur="80"/>
+                                        <p:tgtEl>
+                                          <p:spTgt spid="14349">
+                                            <p:txEl>
+                                              <p:pRg st="0" end="0"/>
+                                            </p:txEl>
+                                          </p:spTgt>
+                                        </p:tgtEl>
+                                        <p:attrNameLst>
+                                          <p:attrName>style.color</p:attrName>
+                                        </p:attrNameLst>
+                                      </p:cBhvr>
+                                      <p:tavLst>
+                                        <p:tav tm="0">
+                                          <p:val>
+                                            <p:clrVal>
+                                              <a:schemeClr val="accent2"/>
+                                            </p:clrVal>
+                                          </p:val>
+                                        </p:tav>
+                                        <p:tav tm="50000">
+                                          <p:val>
+                                            <p:clrVal>
+                                              <a:schemeClr val="hlink"/>
+                                            </p:clrVal>
+                                          </p:val>
+                                        </p:tav>
+                                      </p:tavLst>
+                                    </p:anim>
+                                    <p:anim calcmode="discrete" valueType="clr">
+                                      <p:cBhvr>
+                                        <p:cTn id="59" dur="80"/>
+                                        <p:tgtEl>
+                                          <p:spTgt spid="14349">
+                                            <p:txEl>
+                                              <p:pRg st="0" end="0"/>
+                                            </p:txEl>
+                                          </p:spTgt>
+                                        </p:tgtEl>
+                                        <p:attrNameLst>
+                                          <p:attrName>fillcolor</p:attrName>
+                                        </p:attrNameLst>
+                                      </p:cBhvr>
+                                      <p:tavLst>
+                                        <p:tav tm="0">
+                                          <p:val>
+                                            <p:clrVal>
+                                              <a:schemeClr val="accent2"/>
+                                            </p:clrVal>
+                                          </p:val>
+                                        </p:tav>
+                                        <p:tav tm="50000">
+                                          <p:val>
+                                            <p:clrVal>
+                                              <a:schemeClr val="hlink"/>
+                                            </p:clrVal>
+                                          </p:val>
+                                        </p:tav>
+                                      </p:tavLst>
+                                    </p:anim>
+                                    <p:set>
+                                      <p:cBhvr>
+                                        <p:cTn id="60" dur="80"/>
+                                        <p:tgtEl>
+                                          <p:spTgt spid="14349">
+                                            <p:txEl>
+                                              <p:pRg st="0" end="0"/>
+                                            </p:txEl>
+                                          </p:spTgt>
+                                        </p:tgtEl>
+                                        <p:attrNameLst>
+                                          <p:attrName>fill.type</p:attrName>
+                                        </p:attrNameLst>
+                                      </p:cBhvr>
+                                      <p:to>
+                                        <p:strVal val="solid"/>
+                                      </p:to>
+                                    </p:set>
+                                  </p:childTnLst>
+                                </p:cTn>
+                              </p:par>
+                              <p:par>
+                                <p:cTn id="61" presetID="27" presetClass="entr" presetSubtype="0" fill="hold" nodeType="withEffect">
+                                  <p:stCondLst>
+                                    <p:cond delay="0"/>
+                                  </p:stCondLst>
+                                  <p:iterate type="lt">
+                                    <p:tmPct val="50000"/>
+                                  </p:iterate>
+                                  <p:childTnLst>
+                                    <p:set>
+                                      <p:cBhvr>
+                                        <p:cTn id="62" dur="1" fill="hold">
+                                          <p:stCondLst>
+                                            <p:cond delay="0"/>
+                                          </p:stCondLst>
+                                        </p:cTn>
+                                        <p:tgtEl>
+                                          <p:spTgt spid="14349">
+                                            <p:txEl>
+                                              <p:pRg st="1" end="1"/>
+                                            </p:txEl>
+                                          </p:spTgt>
+                                        </p:tgtEl>
+                                        <p:attrNameLst>
+                                          <p:attrName>style.visibility</p:attrName>
+                                        </p:attrNameLst>
+                                      </p:cBhvr>
+                                      <p:to>
+                                        <p:strVal val="visible"/>
+                                      </p:to>
+                                    </p:set>
+                                    <p:anim calcmode="discrete" valueType="clr">
+                                      <p:cBhvr override="childStyle">
+                                        <p:cTn id="63" dur="80"/>
+                                        <p:tgtEl>
+                                          <p:spTgt spid="14349">
+                                            <p:txEl>
+                                              <p:pRg st="1" end="1"/>
+                                            </p:txEl>
+                                          </p:spTgt>
+                                        </p:tgtEl>
+                                        <p:attrNameLst>
+                                          <p:attrName>style.color</p:attrName>
+                                        </p:attrNameLst>
+                                      </p:cBhvr>
+                                      <p:tavLst>
+                                        <p:tav tm="0">
+                                          <p:val>
+                                            <p:clrVal>
+                                              <a:schemeClr val="accent2"/>
+                                            </p:clrVal>
+                                          </p:val>
+                                        </p:tav>
+                                        <p:tav tm="50000">
+                                          <p:val>
+                                            <p:clrVal>
+                                              <a:schemeClr val="hlink"/>
+                                            </p:clrVal>
+                                          </p:val>
+                                        </p:tav>
+                                      </p:tavLst>
+                                    </p:anim>
+                                    <p:anim calcmode="discrete" valueType="clr">
+                                      <p:cBhvr>
+                                        <p:cTn id="64" dur="80"/>
+                                        <p:tgtEl>
+                                          <p:spTgt spid="14349">
+                                            <p:txEl>
+                                              <p:pRg st="1" end="1"/>
+                                            </p:txEl>
+                                          </p:spTgt>
+                                        </p:tgtEl>
+                                        <p:attrNameLst>
+                                          <p:attrName>fillcolor</p:attrName>
+                                        </p:attrNameLst>
+                                      </p:cBhvr>
+                                      <p:tavLst>
+                                        <p:tav tm="0">
+                                          <p:val>
+                                            <p:clrVal>
+                                              <a:schemeClr val="accent2"/>
+                                            </p:clrVal>
+                                          </p:val>
+                                        </p:tav>
+                                        <p:tav tm="50000">
+                                          <p:val>
+                                            <p:clrVal>
+                                              <a:schemeClr val="hlink"/>
+                                            </p:clrVal>
+                                          </p:val>
+                                        </p:tav>
+                                      </p:tavLst>
+                                    </p:anim>
+                                    <p:set>
+                                      <p:cBhvr>
+                                        <p:cTn id="65" dur="80"/>
+                                        <p:tgtEl>
+                                          <p:spTgt spid="14349">
+                                            <p:txEl>
+                                              <p:pRg st="1" end="1"/>
+                                            </p:txEl>
+                                          </p:spTgt>
+                                        </p:tgtEl>
+                                        <p:attrNameLst>
+                                          <p:attrName>fill.type</p:attrName>
+                                        </p:attrNameLst>
+                                      </p:cBhvr>
+                                      <p:to>
+                                        <p:strVal val="solid"/>
+                                      </p:to>
+                                    </p:set>
+                                  </p:childTnLst>
+                                </p:cTn>
+                              </p:par>
+                            </p:childTnLst>
+                          </p:cTn>
+                        </p:par>
+                      </p:childTnLst>
+                    </p:cTn>
+                  </p:par>
+                </p:childTnLst>
+              </p:cTn>
+              <p:prevCondLst>
+                <p:cond evt="onPrev" delay="0">
+                  <p:tgtEl>
+                    <p:sldTgt/>
+                  </p:tgtEl>
+                </p:cond>
+              </p:prevCondLst>
+              <p:nextCondLst>
+                <p:cond evt="onNext" delay="0">
+                  <p:tgtEl>
+                    <p:sldTgt/>
+                  </p:tgtEl>
+                </p:cond>
+              </p:nextCondLst>
+            </p:seq>
+          </p:childTnLst>
+        </p:cTn>
+      </p:par>
+    </p:tnLst>
+  </p:timing>
 </p:sld>
 </file>
 
@@ -25981,6 +30899,340 @@
   <p:clrMapOvr>
     <a:masterClrMapping/>
   </p:clrMapOvr>
+  <p:timing>
+    <p:tnLst>
+      <p:par>
+        <p:cTn id="1" dur="indefinite" restart="never" nodeType="tmRoot">
+          <p:childTnLst>
+            <p:seq concurrent="1" nextAc="seek">
+              <p:cTn id="2" dur="indefinite" nodeType="mainSeq">
+                <p:childTnLst>
+                  <p:par>
+                    <p:cTn id="3" fill="hold">
+                      <p:stCondLst>
+                        <p:cond delay="indefinite"/>
+                      </p:stCondLst>
+                      <p:childTnLst>
+                        <p:par>
+                          <p:cTn id="4" fill="hold">
+                            <p:stCondLst>
+                              <p:cond delay="0"/>
+                            </p:stCondLst>
+                            <p:childTnLst>
+                              <p:par>
+                                <p:cTn id="5" presetID="8" presetClass="entr" presetSubtype="16" fill="hold" nodeType="clickEffect">
+                                  <p:stCondLst>
+                                    <p:cond delay="0"/>
+                                  </p:stCondLst>
+                                  <p:childTnLst>
+                                    <p:set>
+                                      <p:cBhvr>
+                                        <p:cTn id="6" dur="1" fill="hold">
+                                          <p:stCondLst>
+                                            <p:cond delay="0"/>
+                                          </p:stCondLst>
+                                        </p:cTn>
+                                        <p:tgtEl>
+                                          <p:spTgt spid="2"/>
+                                        </p:tgtEl>
+                                        <p:attrNameLst>
+                                          <p:attrName>style.visibility</p:attrName>
+                                        </p:attrNameLst>
+                                      </p:cBhvr>
+                                      <p:to>
+                                        <p:strVal val="visible"/>
+                                      </p:to>
+                                    </p:set>
+                                    <p:animEffect transition="in" filter="diamond(in)">
+                                      <p:cBhvr>
+                                        <p:cTn id="7" dur="2000"/>
+                                        <p:tgtEl>
+                                          <p:spTgt spid="2"/>
+                                        </p:tgtEl>
+                                      </p:cBhvr>
+                                    </p:animEffect>
+                                  </p:childTnLst>
+                                </p:cTn>
+                              </p:par>
+                            </p:childTnLst>
+                          </p:cTn>
+                        </p:par>
+                      </p:childTnLst>
+                    </p:cTn>
+                  </p:par>
+                  <p:par>
+                    <p:cTn id="8" fill="hold">
+                      <p:stCondLst>
+                        <p:cond delay="indefinite"/>
+                      </p:stCondLst>
+                      <p:childTnLst>
+                        <p:par>
+                          <p:cTn id="9" fill="hold">
+                            <p:stCondLst>
+                              <p:cond delay="0"/>
+                            </p:stCondLst>
+                            <p:childTnLst>
+                              <p:par>
+                                <p:cTn id="10" presetID="9" presetClass="entr" presetSubtype="0" fill="hold" nodeType="clickEffect">
+                                  <p:stCondLst>
+                                    <p:cond delay="0"/>
+                                  </p:stCondLst>
+                                  <p:childTnLst>
+                                    <p:set>
+                                      <p:cBhvr>
+                                        <p:cTn id="11" dur="1" fill="hold">
+                                          <p:stCondLst>
+                                            <p:cond delay="0"/>
+                                          </p:stCondLst>
+                                        </p:cTn>
+                                        <p:tgtEl>
+                                          <p:spTgt spid="3"/>
+                                        </p:tgtEl>
+                                        <p:attrNameLst>
+                                          <p:attrName>style.visibility</p:attrName>
+                                        </p:attrNameLst>
+                                      </p:cBhvr>
+                                      <p:to>
+                                        <p:strVal val="visible"/>
+                                      </p:to>
+                                    </p:set>
+                                    <p:animEffect transition="in" filter="dissolve">
+                                      <p:cBhvr>
+                                        <p:cTn id="12" dur="500"/>
+                                        <p:tgtEl>
+                                          <p:spTgt spid="3"/>
+                                        </p:tgtEl>
+                                      </p:cBhvr>
+                                    </p:animEffect>
+                                  </p:childTnLst>
+                                </p:cTn>
+                              </p:par>
+                            </p:childTnLst>
+                          </p:cTn>
+                        </p:par>
+                      </p:childTnLst>
+                    </p:cTn>
+                  </p:par>
+                  <p:par>
+                    <p:cTn id="13" fill="hold">
+                      <p:stCondLst>
+                        <p:cond delay="indefinite"/>
+                      </p:stCondLst>
+                      <p:childTnLst>
+                        <p:par>
+                          <p:cTn id="14" fill="hold">
+                            <p:stCondLst>
+                              <p:cond delay="0"/>
+                            </p:stCondLst>
+                            <p:childTnLst>
+                              <p:par>
+                                <p:cTn id="15" presetID="9" presetClass="entr" presetSubtype="0" fill="hold" nodeType="clickEffect">
+                                  <p:stCondLst>
+                                    <p:cond delay="0"/>
+                                  </p:stCondLst>
+                                  <p:childTnLst>
+                                    <p:set>
+                                      <p:cBhvr>
+                                        <p:cTn id="16" dur="1" fill="hold">
+                                          <p:stCondLst>
+                                            <p:cond delay="0"/>
+                                          </p:stCondLst>
+                                        </p:cTn>
+                                        <p:tgtEl>
+                                          <p:spTgt spid="4"/>
+                                        </p:tgtEl>
+                                        <p:attrNameLst>
+                                          <p:attrName>style.visibility</p:attrName>
+                                        </p:attrNameLst>
+                                      </p:cBhvr>
+                                      <p:to>
+                                        <p:strVal val="visible"/>
+                                      </p:to>
+                                    </p:set>
+                                    <p:animEffect transition="in" filter="dissolve">
+                                      <p:cBhvr>
+                                        <p:cTn id="17" dur="500"/>
+                                        <p:tgtEl>
+                                          <p:spTgt spid="4"/>
+                                        </p:tgtEl>
+                                      </p:cBhvr>
+                                    </p:animEffect>
+                                  </p:childTnLst>
+                                </p:cTn>
+                              </p:par>
+                            </p:childTnLst>
+                          </p:cTn>
+                        </p:par>
+                      </p:childTnLst>
+                    </p:cTn>
+                  </p:par>
+                  <p:par>
+                    <p:cTn id="18" fill="hold">
+                      <p:stCondLst>
+                        <p:cond delay="indefinite"/>
+                      </p:stCondLst>
+                      <p:childTnLst>
+                        <p:par>
+                          <p:cTn id="19" fill="hold">
+                            <p:stCondLst>
+                              <p:cond delay="0"/>
+                            </p:stCondLst>
+                            <p:childTnLst>
+                              <p:par>
+                                <p:cTn id="20" presetID="58" presetClass="entr" presetSubtype="0" accel="100000" fill="hold" nodeType="clickEffect">
+                                  <p:stCondLst>
+                                    <p:cond delay="0"/>
+                                  </p:stCondLst>
+                                  <p:childTnLst>
+                                    <p:set>
+                                      <p:cBhvr>
+                                        <p:cTn id="21" dur="1" fill="hold">
+                                          <p:stCondLst>
+                                            <p:cond delay="0"/>
+                                          </p:stCondLst>
+                                        </p:cTn>
+                                        <p:tgtEl>
+                                          <p:spTgt spid="5"/>
+                                        </p:tgtEl>
+                                        <p:attrNameLst>
+                                          <p:attrName>style.visibility</p:attrName>
+                                        </p:attrNameLst>
+                                      </p:cBhvr>
+                                      <p:to>
+                                        <p:strVal val="visible"/>
+                                      </p:to>
+                                    </p:set>
+                                    <p:anim calcmode="lin" valueType="num">
+                                      <p:cBhvr>
+                                        <p:cTn id="22" dur="500" fill="hold"/>
+                                        <p:tgtEl>
+                                          <p:spTgt spid="5"/>
+                                        </p:tgtEl>
+                                        <p:attrNameLst>
+                                          <p:attrName>ppt_w</p:attrName>
+                                        </p:attrNameLst>
+                                      </p:cBhvr>
+                                      <p:tavLst>
+                                        <p:tav tm="0">
+                                          <p:val>
+                                            <p:strVal val="#ppt_w*2.5"/>
+                                          </p:val>
+                                        </p:tav>
+                                        <p:tav tm="100000">
+                                          <p:val>
+                                            <p:strVal val="#ppt_w"/>
+                                          </p:val>
+                                        </p:tav>
+                                      </p:tavLst>
+                                    </p:anim>
+                                    <p:anim calcmode="lin" valueType="num">
+                                      <p:cBhvr>
+                                        <p:cTn id="23" dur="500" fill="hold"/>
+                                        <p:tgtEl>
+                                          <p:spTgt spid="5"/>
+                                        </p:tgtEl>
+                                        <p:attrNameLst>
+                                          <p:attrName>ppt_h</p:attrName>
+                                        </p:attrNameLst>
+                                      </p:cBhvr>
+                                      <p:tavLst>
+                                        <p:tav tm="0">
+                                          <p:val>
+                                            <p:strVal val="#ppt_h*0.01"/>
+                                          </p:val>
+                                        </p:tav>
+                                        <p:tav tm="100000">
+                                          <p:val>
+                                            <p:strVal val="#ppt_h"/>
+                                          </p:val>
+                                        </p:tav>
+                                      </p:tavLst>
+                                    </p:anim>
+                                    <p:anim calcmode="lin" valueType="num">
+                                      <p:cBhvr>
+                                        <p:cTn id="24" dur="500" fill="hold"/>
+                                        <p:tgtEl>
+                                          <p:spTgt spid="5"/>
+                                        </p:tgtEl>
+                                        <p:attrNameLst>
+                                          <p:attrName>ppt_x</p:attrName>
+                                        </p:attrNameLst>
+                                      </p:cBhvr>
+                                      <p:tavLst>
+                                        <p:tav tm="0">
+                                          <p:val>
+                                            <p:strVal val="#ppt_x"/>
+                                          </p:val>
+                                        </p:tav>
+                                        <p:tav tm="100000">
+                                          <p:val>
+                                            <p:strVal val="#ppt_x"/>
+                                          </p:val>
+                                        </p:tav>
+                                      </p:tavLst>
+                                    </p:anim>
+                                    <p:anim calcmode="lin" valueType="num">
+                                      <p:cBhvr>
+                                        <p:cTn id="25" dur="500" fill="hold"/>
+                                        <p:tgtEl>
+                                          <p:spTgt spid="5"/>
+                                        </p:tgtEl>
+                                        <p:attrNameLst>
+                                          <p:attrName>ppt_y</p:attrName>
+                                        </p:attrNameLst>
+                                      </p:cBhvr>
+                                      <p:tavLst>
+                                        <p:tav tm="0">
+                                          <p:val>
+                                            <p:strVal val="#ppt_h+1"/>
+                                          </p:val>
+                                        </p:tav>
+                                        <p:tav tm="100000">
+                                          <p:val>
+                                            <p:strVal val="#ppt_y"/>
+                                          </p:val>
+                                        </p:tav>
+                                      </p:tavLst>
+                                    </p:anim>
+                                    <p:animEffect transition="in" filter="fade">
+                                      <p:cBhvr>
+                                        <p:cTn id="26" dur="500"/>
+                                        <p:tgtEl>
+                                          <p:spTgt spid="5"/>
+                                        </p:tgtEl>
+                                      </p:cBhvr>
+                                    </p:animEffect>
+                                  </p:childTnLst>
+                                </p:cTn>
+                              </p:par>
+                            </p:childTnLst>
+                          </p:cTn>
+                        </p:par>
+                      </p:childTnLst>
+                    </p:cTn>
+                  </p:par>
+                </p:childTnLst>
+              </p:cTn>
+              <p:prevCondLst>
+                <p:cond evt="onPrev" delay="0">
+                  <p:tgtEl>
+                    <p:sldTgt/>
+                  </p:tgtEl>
+                </p:cond>
+              </p:prevCondLst>
+              <p:nextCondLst>
+                <p:cond evt="onNext" delay="0">
+                  <p:tgtEl>
+                    <p:sldTgt/>
+                  </p:tgtEl>
+                </p:cond>
+              </p:nextCondLst>
+            </p:seq>
+          </p:childTnLst>
+        </p:cTn>
+      </p:par>
+    </p:tnLst>
+  </p:timing>
 </p:sld>
 </file>
 
